--- a/leap/Cloud and Distributed Architecture Overview.pptx
+++ b/leap/Cloud and Distributed Architecture Overview.pptx
@@ -4,6 +4,9 @@
   <p:sldMasterIdLst>
     <p:sldMasterId id="2147483673" r:id="rId1"/>
   </p:sldMasterIdLst>
+  <p:notesMasterIdLst>
+    <p:notesMasterId r:id="rId4"/>
+  </p:notesMasterIdLst>
   <p:sldIdLst>
     <p:sldId id="264" r:id="rId2"/>
     <p:sldId id="265" r:id="rId3"/>
@@ -113,6 +116,527 @@
 </p:presentation>
 </file>
 
+<file path=ppt/revisionInfo.xml><?xml version="1.0" encoding="utf-8"?>
+<p1510:revInfo xmlns:a="http://schemas.openxmlformats.org/drawingml/2006/main" xmlns:r="http://schemas.openxmlformats.org/officeDocument/2006/relationships" xmlns:p1510="http://schemas.microsoft.com/office/powerpoint/2015/10/main"/>
+</file>
+
+<file path=ppt/notesMasters/notesMaster1.xml><?xml version="1.0" encoding="utf-8"?>
+<p:notesMaster xmlns:a="http://schemas.openxmlformats.org/drawingml/2006/main" xmlns:r="http://schemas.openxmlformats.org/officeDocument/2006/relationships" xmlns:p="http://schemas.openxmlformats.org/presentationml/2006/main">
+  <p:cSld>
+    <p:bg>
+      <p:bgRef idx="1001">
+        <a:schemeClr val="bg1"/>
+      </p:bgRef>
+    </p:bg>
+    <p:spTree>
+      <p:nvGrpSpPr>
+        <p:cNvPr id="1" name=""/>
+        <p:cNvGrpSpPr/>
+        <p:nvPr/>
+      </p:nvGrpSpPr>
+      <p:grpSpPr>
+        <a:xfrm>
+          <a:off x="0" y="0"/>
+          <a:ext cx="0" cy="0"/>
+          <a:chOff x="0" y="0"/>
+          <a:chExt cx="0" cy="0"/>
+        </a:xfrm>
+      </p:grpSpPr>
+      <p:sp>
+        <p:nvSpPr>
+          <p:cNvPr id="2" name="Header Placeholder 1"/>
+          <p:cNvSpPr>
+            <a:spLocks noGrp="1"/>
+          </p:cNvSpPr>
+          <p:nvPr>
+            <p:ph type="hdr" sz="quarter"/>
+          </p:nvPr>
+        </p:nvSpPr>
+        <p:spPr>
+          <a:xfrm>
+            <a:off x="0" y="0"/>
+            <a:ext cx="3368675" cy="504825"/>
+          </a:xfrm>
+          <a:prstGeom prst="rect">
+            <a:avLst/>
+          </a:prstGeom>
+        </p:spPr>
+        <p:txBody>
+          <a:bodyPr vert="horz" lIns="91440" tIns="45720" rIns="91440" bIns="45720" rtlCol="0"/>
+          <a:lstStyle>
+            <a:lvl1pPr algn="l">
+              <a:defRPr sz="1200"/>
+            </a:lvl1pPr>
+          </a:lstStyle>
+          <a:p>
+            <a:endParaRPr lang="en-US"/>
+          </a:p>
+        </p:txBody>
+      </p:sp>
+      <p:sp>
+        <p:nvSpPr>
+          <p:cNvPr id="3" name="Date Placeholder 2"/>
+          <p:cNvSpPr>
+            <a:spLocks noGrp="1"/>
+          </p:cNvSpPr>
+          <p:nvPr>
+            <p:ph type="dt" idx="1"/>
+          </p:nvPr>
+        </p:nvSpPr>
+        <p:spPr>
+          <a:xfrm>
+            <a:off x="4402138" y="0"/>
+            <a:ext cx="3368675" cy="504825"/>
+          </a:xfrm>
+          <a:prstGeom prst="rect">
+            <a:avLst/>
+          </a:prstGeom>
+        </p:spPr>
+        <p:txBody>
+          <a:bodyPr vert="horz" lIns="91440" tIns="45720" rIns="91440" bIns="45720" rtlCol="0"/>
+          <a:lstStyle>
+            <a:lvl1pPr algn="r">
+              <a:defRPr sz="1200"/>
+            </a:lvl1pPr>
+          </a:lstStyle>
+          <a:p>
+            <a:fld id="{0A3BD270-52F4-42D1-8AA4-C202F918B230}" type="datetimeFigureOut">
+              <a:rPr lang="en-US" smtClean="0"/>
+              <a:t>5/22/2017</a:t>
+            </a:fld>
+            <a:endParaRPr lang="en-US"/>
+          </a:p>
+        </p:txBody>
+      </p:sp>
+      <p:sp>
+        <p:nvSpPr>
+          <p:cNvPr id="4" name="Slide Image Placeholder 3"/>
+          <p:cNvSpPr>
+            <a:spLocks noGrp="1" noRot="1" noChangeAspect="1"/>
+          </p:cNvSpPr>
+          <p:nvPr>
+            <p:ph type="sldImg" idx="2"/>
+          </p:nvPr>
+        </p:nvSpPr>
+        <p:spPr>
+          <a:xfrm>
+            <a:off x="1624013" y="1257300"/>
+            <a:ext cx="4524375" cy="3394075"/>
+          </a:xfrm>
+          <a:prstGeom prst="rect">
+            <a:avLst/>
+          </a:prstGeom>
+          <a:noFill/>
+          <a:ln w="12700">
+            <a:solidFill>
+              <a:prstClr val="black"/>
+            </a:solidFill>
+          </a:ln>
+        </p:spPr>
+        <p:txBody>
+          <a:bodyPr vert="horz" lIns="91440" tIns="45720" rIns="91440" bIns="45720" rtlCol="0" anchor="ctr"/>
+          <a:lstStyle/>
+          <a:p>
+            <a:endParaRPr lang="en-US"/>
+          </a:p>
+        </p:txBody>
+      </p:sp>
+      <p:sp>
+        <p:nvSpPr>
+          <p:cNvPr id="5" name="Notes Placeholder 4"/>
+          <p:cNvSpPr>
+            <a:spLocks noGrp="1"/>
+          </p:cNvSpPr>
+          <p:nvPr>
+            <p:ph type="body" sz="quarter" idx="3"/>
+          </p:nvPr>
+        </p:nvSpPr>
+        <p:spPr>
+          <a:xfrm>
+            <a:off x="777875" y="4840288"/>
+            <a:ext cx="6216650" cy="3960812"/>
+          </a:xfrm>
+          <a:prstGeom prst="rect">
+            <a:avLst/>
+          </a:prstGeom>
+        </p:spPr>
+        <p:txBody>
+          <a:bodyPr vert="horz" lIns="91440" tIns="45720" rIns="91440" bIns="45720" rtlCol="0"/>
+          <a:lstStyle/>
+          <a:p>
+            <a:pPr lvl="0"/>
+            <a:r>
+              <a:rPr lang="en-US"/>
+              <a:t>Edit Master text styles</a:t>
+            </a:r>
+          </a:p>
+          <a:p>
+            <a:pPr lvl="1"/>
+            <a:r>
+              <a:rPr lang="en-US"/>
+              <a:t>Second level</a:t>
+            </a:r>
+          </a:p>
+          <a:p>
+            <a:pPr lvl="2"/>
+            <a:r>
+              <a:rPr lang="en-US"/>
+              <a:t>Third level</a:t>
+            </a:r>
+          </a:p>
+          <a:p>
+            <a:pPr lvl="3"/>
+            <a:r>
+              <a:rPr lang="en-US"/>
+              <a:t>Fourth level</a:t>
+            </a:r>
+          </a:p>
+          <a:p>
+            <a:pPr lvl="4"/>
+            <a:r>
+              <a:rPr lang="en-US"/>
+              <a:t>Fifth level</a:t>
+            </a:r>
+          </a:p>
+        </p:txBody>
+      </p:sp>
+      <p:sp>
+        <p:nvSpPr>
+          <p:cNvPr id="6" name="Footer Placeholder 5"/>
+          <p:cNvSpPr>
+            <a:spLocks noGrp="1"/>
+          </p:cNvSpPr>
+          <p:nvPr>
+            <p:ph type="ftr" sz="quarter" idx="4"/>
+          </p:nvPr>
+        </p:nvSpPr>
+        <p:spPr>
+          <a:xfrm>
+            <a:off x="0" y="9553575"/>
+            <a:ext cx="3368675" cy="504825"/>
+          </a:xfrm>
+          <a:prstGeom prst="rect">
+            <a:avLst/>
+          </a:prstGeom>
+        </p:spPr>
+        <p:txBody>
+          <a:bodyPr vert="horz" lIns="91440" tIns="45720" rIns="91440" bIns="45720" rtlCol="0" anchor="b"/>
+          <a:lstStyle>
+            <a:lvl1pPr algn="l">
+              <a:defRPr sz="1200"/>
+            </a:lvl1pPr>
+          </a:lstStyle>
+          <a:p>
+            <a:endParaRPr lang="en-US"/>
+          </a:p>
+        </p:txBody>
+      </p:sp>
+      <p:sp>
+        <p:nvSpPr>
+          <p:cNvPr id="7" name="Slide Number Placeholder 6"/>
+          <p:cNvSpPr>
+            <a:spLocks noGrp="1"/>
+          </p:cNvSpPr>
+          <p:nvPr>
+            <p:ph type="sldNum" sz="quarter" idx="5"/>
+          </p:nvPr>
+        </p:nvSpPr>
+        <p:spPr>
+          <a:xfrm>
+            <a:off x="4402138" y="9553575"/>
+            <a:ext cx="3368675" cy="504825"/>
+          </a:xfrm>
+          <a:prstGeom prst="rect">
+            <a:avLst/>
+          </a:prstGeom>
+        </p:spPr>
+        <p:txBody>
+          <a:bodyPr vert="horz" lIns="91440" tIns="45720" rIns="91440" bIns="45720" rtlCol="0" anchor="b"/>
+          <a:lstStyle>
+            <a:lvl1pPr algn="r">
+              <a:defRPr sz="1200"/>
+            </a:lvl1pPr>
+          </a:lstStyle>
+          <a:p>
+            <a:fld id="{120DF125-6537-46F9-8C7C-C8EEF2DC0B24}" type="slidenum">
+              <a:rPr lang="en-US" smtClean="0"/>
+              <a:t>‹#›</a:t>
+            </a:fld>
+            <a:endParaRPr lang="en-US"/>
+          </a:p>
+        </p:txBody>
+      </p:sp>
+    </p:spTree>
+    <p:extLst>
+      <p:ext uri="{BB962C8B-B14F-4D97-AF65-F5344CB8AC3E}">
+        <p14:creationId xmlns:p14="http://schemas.microsoft.com/office/powerpoint/2010/main" val="1327003248"/>
+      </p:ext>
+    </p:extLst>
+  </p:cSld>
+  <p:clrMap bg1="lt1" tx1="dk1" bg2="lt2" tx2="dk2" accent1="accent1" accent2="accent2" accent3="accent3" accent4="accent4" accent5="accent5" accent6="accent6" hlink="hlink" folHlink="folHlink"/>
+  <p:notesStyle>
+    <a:lvl1pPr marL="0" algn="l" defTabSz="914400" rtl="0" eaLnBrk="1" latinLnBrk="0" hangingPunct="1">
+      <a:defRPr sz="1200" kern="1200">
+        <a:solidFill>
+          <a:schemeClr val="tx1"/>
+        </a:solidFill>
+        <a:latin typeface="+mn-lt"/>
+        <a:ea typeface="+mn-ea"/>
+        <a:cs typeface="+mn-cs"/>
+      </a:defRPr>
+    </a:lvl1pPr>
+    <a:lvl2pPr marL="457200" algn="l" defTabSz="914400" rtl="0" eaLnBrk="1" latinLnBrk="0" hangingPunct="1">
+      <a:defRPr sz="1200" kern="1200">
+        <a:solidFill>
+          <a:schemeClr val="tx1"/>
+        </a:solidFill>
+        <a:latin typeface="+mn-lt"/>
+        <a:ea typeface="+mn-ea"/>
+        <a:cs typeface="+mn-cs"/>
+      </a:defRPr>
+    </a:lvl2pPr>
+    <a:lvl3pPr marL="914400" algn="l" defTabSz="914400" rtl="0" eaLnBrk="1" latinLnBrk="0" hangingPunct="1">
+      <a:defRPr sz="1200" kern="1200">
+        <a:solidFill>
+          <a:schemeClr val="tx1"/>
+        </a:solidFill>
+        <a:latin typeface="+mn-lt"/>
+        <a:ea typeface="+mn-ea"/>
+        <a:cs typeface="+mn-cs"/>
+      </a:defRPr>
+    </a:lvl3pPr>
+    <a:lvl4pPr marL="1371600" algn="l" defTabSz="914400" rtl="0" eaLnBrk="1" latinLnBrk="0" hangingPunct="1">
+      <a:defRPr sz="1200" kern="1200">
+        <a:solidFill>
+          <a:schemeClr val="tx1"/>
+        </a:solidFill>
+        <a:latin typeface="+mn-lt"/>
+        <a:ea typeface="+mn-ea"/>
+        <a:cs typeface="+mn-cs"/>
+      </a:defRPr>
+    </a:lvl4pPr>
+    <a:lvl5pPr marL="1828800" algn="l" defTabSz="914400" rtl="0" eaLnBrk="1" latinLnBrk="0" hangingPunct="1">
+      <a:defRPr sz="1200" kern="1200">
+        <a:solidFill>
+          <a:schemeClr val="tx1"/>
+        </a:solidFill>
+        <a:latin typeface="+mn-lt"/>
+        <a:ea typeface="+mn-ea"/>
+        <a:cs typeface="+mn-cs"/>
+      </a:defRPr>
+    </a:lvl5pPr>
+    <a:lvl6pPr marL="2286000" algn="l" defTabSz="914400" rtl="0" eaLnBrk="1" latinLnBrk="0" hangingPunct="1">
+      <a:defRPr sz="1200" kern="1200">
+        <a:solidFill>
+          <a:schemeClr val="tx1"/>
+        </a:solidFill>
+        <a:latin typeface="+mn-lt"/>
+        <a:ea typeface="+mn-ea"/>
+        <a:cs typeface="+mn-cs"/>
+      </a:defRPr>
+    </a:lvl6pPr>
+    <a:lvl7pPr marL="2743200" algn="l" defTabSz="914400" rtl="0" eaLnBrk="1" latinLnBrk="0" hangingPunct="1">
+      <a:defRPr sz="1200" kern="1200">
+        <a:solidFill>
+          <a:schemeClr val="tx1"/>
+        </a:solidFill>
+        <a:latin typeface="+mn-lt"/>
+        <a:ea typeface="+mn-ea"/>
+        <a:cs typeface="+mn-cs"/>
+      </a:defRPr>
+    </a:lvl7pPr>
+    <a:lvl8pPr marL="3200400" algn="l" defTabSz="914400" rtl="0" eaLnBrk="1" latinLnBrk="0" hangingPunct="1">
+      <a:defRPr sz="1200" kern="1200">
+        <a:solidFill>
+          <a:schemeClr val="tx1"/>
+        </a:solidFill>
+        <a:latin typeface="+mn-lt"/>
+        <a:ea typeface="+mn-ea"/>
+        <a:cs typeface="+mn-cs"/>
+      </a:defRPr>
+    </a:lvl8pPr>
+    <a:lvl9pPr marL="3657600" algn="l" defTabSz="914400" rtl="0" eaLnBrk="1" latinLnBrk="0" hangingPunct="1">
+      <a:defRPr sz="1200" kern="1200">
+        <a:solidFill>
+          <a:schemeClr val="tx1"/>
+        </a:solidFill>
+        <a:latin typeface="+mn-lt"/>
+        <a:ea typeface="+mn-ea"/>
+        <a:cs typeface="+mn-cs"/>
+      </a:defRPr>
+    </a:lvl9pPr>
+  </p:notesStyle>
+</p:notesMaster>
+</file>
+
+<file path=ppt/notesSlides/notesSlide1.xml><?xml version="1.0" encoding="utf-8"?>
+<p:notes xmlns:a="http://schemas.openxmlformats.org/drawingml/2006/main" xmlns:r="http://schemas.openxmlformats.org/officeDocument/2006/relationships" xmlns:p="http://schemas.openxmlformats.org/presentationml/2006/main">
+  <p:cSld>
+    <p:spTree>
+      <p:nvGrpSpPr>
+        <p:cNvPr id="1" name=""/>
+        <p:cNvGrpSpPr/>
+        <p:nvPr/>
+      </p:nvGrpSpPr>
+      <p:grpSpPr>
+        <a:xfrm>
+          <a:off x="0" y="0"/>
+          <a:ext cx="0" cy="0"/>
+          <a:chOff x="0" y="0"/>
+          <a:chExt cx="0" cy="0"/>
+        </a:xfrm>
+      </p:grpSpPr>
+      <p:sp>
+        <p:nvSpPr>
+          <p:cNvPr id="2" name="Slide Image Placeholder 1"/>
+          <p:cNvSpPr>
+            <a:spLocks noGrp="1" noRot="1" noChangeAspect="1"/>
+          </p:cNvSpPr>
+          <p:nvPr>
+            <p:ph type="sldImg"/>
+          </p:nvPr>
+        </p:nvSpPr>
+        <p:spPr/>
+      </p:sp>
+      <p:sp>
+        <p:nvSpPr>
+          <p:cNvPr id="3" name="Notes Placeholder 2"/>
+          <p:cNvSpPr>
+            <a:spLocks noGrp="1"/>
+          </p:cNvSpPr>
+          <p:nvPr>
+            <p:ph type="body" idx="1"/>
+          </p:nvPr>
+        </p:nvSpPr>
+        <p:spPr/>
+        <p:txBody>
+          <a:bodyPr/>
+          <a:lstStyle/>
+          <a:p>
+            <a:endParaRPr lang="en-US"/>
+          </a:p>
+        </p:txBody>
+      </p:sp>
+      <p:sp>
+        <p:nvSpPr>
+          <p:cNvPr id="4" name="Slide Number Placeholder 3"/>
+          <p:cNvSpPr>
+            <a:spLocks noGrp="1"/>
+          </p:cNvSpPr>
+          <p:nvPr>
+            <p:ph type="sldNum" sz="quarter" idx="10"/>
+          </p:nvPr>
+        </p:nvSpPr>
+        <p:spPr/>
+        <p:txBody>
+          <a:bodyPr/>
+          <a:lstStyle/>
+          <a:p>
+            <a:fld id="{120DF125-6537-46F9-8C7C-C8EEF2DC0B24}" type="slidenum">
+              <a:rPr lang="en-US" smtClean="0"/>
+              <a:t>1</a:t>
+            </a:fld>
+            <a:endParaRPr lang="en-US"/>
+          </a:p>
+        </p:txBody>
+      </p:sp>
+    </p:spTree>
+    <p:extLst>
+      <p:ext uri="{BB962C8B-B14F-4D97-AF65-F5344CB8AC3E}">
+        <p14:creationId xmlns:p14="http://schemas.microsoft.com/office/powerpoint/2010/main" val="2661507111"/>
+      </p:ext>
+    </p:extLst>
+  </p:cSld>
+  <p:clrMapOvr>
+    <a:masterClrMapping/>
+  </p:clrMapOvr>
+</p:notes>
+</file>
+
+<file path=ppt/notesSlides/notesSlide2.xml><?xml version="1.0" encoding="utf-8"?>
+<p:notes xmlns:a="http://schemas.openxmlformats.org/drawingml/2006/main" xmlns:r="http://schemas.openxmlformats.org/officeDocument/2006/relationships" xmlns:p="http://schemas.openxmlformats.org/presentationml/2006/main">
+  <p:cSld>
+    <p:spTree>
+      <p:nvGrpSpPr>
+        <p:cNvPr id="1" name=""/>
+        <p:cNvGrpSpPr/>
+        <p:nvPr/>
+      </p:nvGrpSpPr>
+      <p:grpSpPr>
+        <a:xfrm>
+          <a:off x="0" y="0"/>
+          <a:ext cx="0" cy="0"/>
+          <a:chOff x="0" y="0"/>
+          <a:chExt cx="0" cy="0"/>
+        </a:xfrm>
+      </p:grpSpPr>
+      <p:sp>
+        <p:nvSpPr>
+          <p:cNvPr id="2" name="Slide Image Placeholder 1"/>
+          <p:cNvSpPr>
+            <a:spLocks noGrp="1" noRot="1" noChangeAspect="1"/>
+          </p:cNvSpPr>
+          <p:nvPr>
+            <p:ph type="sldImg"/>
+          </p:nvPr>
+        </p:nvSpPr>
+        <p:spPr/>
+      </p:sp>
+      <p:sp>
+        <p:nvSpPr>
+          <p:cNvPr id="3" name="Notes Placeholder 2"/>
+          <p:cNvSpPr>
+            <a:spLocks noGrp="1"/>
+          </p:cNvSpPr>
+          <p:nvPr>
+            <p:ph type="body" idx="1"/>
+          </p:nvPr>
+        </p:nvSpPr>
+        <p:spPr/>
+        <p:txBody>
+          <a:bodyPr/>
+          <a:lstStyle/>
+          <a:p>
+            <a:endParaRPr lang="en-US"/>
+          </a:p>
+        </p:txBody>
+      </p:sp>
+      <p:sp>
+        <p:nvSpPr>
+          <p:cNvPr id="4" name="Slide Number Placeholder 3"/>
+          <p:cNvSpPr>
+            <a:spLocks noGrp="1"/>
+          </p:cNvSpPr>
+          <p:nvPr>
+            <p:ph type="sldNum" sz="quarter" idx="10"/>
+          </p:nvPr>
+        </p:nvSpPr>
+        <p:spPr/>
+        <p:txBody>
+          <a:bodyPr/>
+          <a:lstStyle/>
+          <a:p>
+            <a:fld id="{120DF125-6537-46F9-8C7C-C8EEF2DC0B24}" type="slidenum">
+              <a:rPr lang="en-US" smtClean="0"/>
+              <a:t>2</a:t>
+            </a:fld>
+            <a:endParaRPr lang="en-US"/>
+          </a:p>
+        </p:txBody>
+      </p:sp>
+    </p:spTree>
+    <p:extLst>
+      <p:ext uri="{BB962C8B-B14F-4D97-AF65-F5344CB8AC3E}">
+        <p14:creationId xmlns:p14="http://schemas.microsoft.com/office/powerpoint/2010/main" val="1453720206"/>
+      </p:ext>
+    </p:extLst>
+  </p:cSld>
+  <p:clrMapOvr>
+    <a:masterClrMapping/>
+  </p:clrMapOvr>
+</p:notes>
+</file>
+
 <file path=ppt/slideLayouts/slideLayout1.xml><?xml version="1.0" encoding="utf-8"?>
 <p:sldLayout xmlns:a="http://schemas.openxmlformats.org/drawingml/2006/main" xmlns:r="http://schemas.openxmlformats.org/officeDocument/2006/relationships" xmlns:p="http://schemas.openxmlformats.org/presentationml/2006/main" type="title" preserve="1">
   <p:cSld name="Title Slide">
@@ -155,7 +679,7 @@
           </a:lstStyle>
           <a:p>
             <a:r>
-              <a:rPr lang="en-US" smtClean="0"/>
+              <a:rPr lang="en-US"/>
               <a:t>Click to edit Master title style</a:t>
             </a:r>
             <a:endParaRPr lang="en-US" dirty="0"/>
@@ -275,7 +799,7 @@
           </a:lstStyle>
           <a:p>
             <a:r>
-              <a:rPr lang="en-US" smtClean="0"/>
+              <a:rPr lang="en-US"/>
               <a:t>Click to edit Master subtitle style</a:t>
             </a:r>
             <a:endParaRPr lang="en-US" dirty="0"/>
@@ -299,7 +823,7 @@
           <a:p>
             <a:fld id="{E93B9923-E3EC-48CC-9721-9F39E972B268}" type="datetimeFigureOut">
               <a:rPr lang="en-US" smtClean="0"/>
-              <a:t>5/11/2015</a:t>
+              <a:t>5/22/2017</a:t>
             </a:fld>
             <a:endParaRPr lang="en-US"/>
           </a:p>
@@ -404,7 +928,7 @@
           </a:lstStyle>
           <a:p>
             <a:r>
-              <a:rPr lang="en-US" smtClean="0"/>
+              <a:rPr lang="en-US"/>
               <a:t>Click to edit Master title style</a:t>
             </a:r>
             <a:endParaRPr lang="en-US" dirty="0"/>
@@ -483,7 +1007,7 @@
           </a:lstStyle>
           <a:p>
             <a:r>
-              <a:rPr lang="en-US" smtClean="0"/>
+              <a:rPr lang="en-US"/>
               <a:t>Click icon to add picture</a:t>
             </a:r>
             <a:endParaRPr lang="en-US" dirty="0"/>
@@ -551,7 +1075,7 @@
           <a:p>
             <a:pPr lvl="0"/>
             <a:r>
-              <a:rPr lang="en-US" smtClean="0"/>
+              <a:rPr lang="en-US"/>
               <a:t>Click to edit Master text styles</a:t>
             </a:r>
           </a:p>
@@ -573,7 +1097,7 @@
           <a:lstStyle/>
           <a:p>
             <a:r>
-              <a:rPr lang="en-US" sz="1400" smtClean="0">
+              <a:rPr lang="en-US" sz="1400">
                 <a:latin typeface="Times New Roman"/>
               </a:rPr>
               <a:t>&lt;date/time&gt;</a:t>
@@ -599,7 +1123,7 @@
           <a:p>
             <a:pPr algn="ctr"/>
             <a:r>
-              <a:rPr lang="en-US" sz="1400" smtClean="0">
+              <a:rPr lang="en-US" sz="1400">
                 <a:latin typeface="Times New Roman"/>
               </a:rPr>
               <a:t>&lt;footer&gt;</a:t>
@@ -689,7 +1213,7 @@
           </a:lstStyle>
           <a:p>
             <a:r>
-              <a:rPr lang="en-US" smtClean="0"/>
+              <a:rPr lang="en-US"/>
               <a:t>Click to edit Master title style</a:t>
             </a:r>
             <a:endParaRPr lang="en-US" dirty="0"/>
@@ -757,7 +1281,7 @@
           <a:p>
             <a:pPr lvl="0"/>
             <a:r>
-              <a:rPr lang="en-US" smtClean="0"/>
+              <a:rPr lang="en-US"/>
               <a:t>Click to edit Master text styles</a:t>
             </a:r>
           </a:p>
@@ -779,7 +1303,7 @@
           <a:lstStyle/>
           <a:p>
             <a:r>
-              <a:rPr lang="en-US" sz="1400" smtClean="0">
+              <a:rPr lang="en-US" sz="1400">
                 <a:latin typeface="Times New Roman"/>
               </a:rPr>
               <a:t>&lt;date/time&gt;</a:t>
@@ -805,7 +1329,7 @@
           <a:p>
             <a:pPr algn="ctr"/>
             <a:r>
-              <a:rPr lang="en-US" sz="1400" smtClean="0">
+              <a:rPr lang="en-US" sz="1400">
                 <a:latin typeface="Times New Roman"/>
               </a:rPr>
               <a:t>&lt;footer&gt;</a:t>
@@ -895,7 +1419,7 @@
           </a:lstStyle>
           <a:p>
             <a:r>
-              <a:rPr lang="en-US" smtClean="0"/>
+              <a:rPr lang="en-US"/>
               <a:t>Click to edit Master title style</a:t>
             </a:r>
             <a:endParaRPr lang="en-US" dirty="0"/>
@@ -975,7 +1499,7 @@
               <a:buNone/>
             </a:pPr>
             <a:r>
-              <a:rPr lang="en-US" smtClean="0"/>
+              <a:rPr lang="en-US"/>
               <a:t>Click to edit Master text styles</a:t>
             </a:r>
           </a:p>
@@ -1042,7 +1566,7 @@
           <a:p>
             <a:pPr lvl="0"/>
             <a:r>
-              <a:rPr lang="en-US" smtClean="0"/>
+              <a:rPr lang="en-US"/>
               <a:t>Click to edit Master text styles</a:t>
             </a:r>
           </a:p>
@@ -1064,7 +1588,7 @@
           <a:lstStyle/>
           <a:p>
             <a:r>
-              <a:rPr lang="en-US" sz="1400" smtClean="0">
+              <a:rPr lang="en-US" sz="1400">
                 <a:latin typeface="Times New Roman"/>
               </a:rPr>
               <a:t>&lt;date/time&gt;</a:t>
@@ -1090,7 +1614,7 @@
           <a:p>
             <a:pPr algn="ctr"/>
             <a:r>
-              <a:rPr lang="en-US" sz="1400" smtClean="0">
+              <a:rPr lang="en-US" sz="1400">
                 <a:latin typeface="Times New Roman"/>
               </a:rPr>
               <a:t>&lt;footer&gt;</a:t>
@@ -1274,7 +1798,7 @@
           </a:lstStyle>
           <a:p>
             <a:r>
-              <a:rPr lang="en-US" smtClean="0"/>
+              <a:rPr lang="en-US"/>
               <a:t>Click to edit Master title style</a:t>
             </a:r>
             <a:endParaRPr lang="en-US" dirty="0"/>
@@ -1395,7 +1919,7 @@
           <a:p>
             <a:pPr lvl="0"/>
             <a:r>
-              <a:rPr lang="en-US" smtClean="0"/>
+              <a:rPr lang="en-US"/>
               <a:t>Click to edit Master text styles</a:t>
             </a:r>
           </a:p>
@@ -1417,7 +1941,7 @@
           <a:lstStyle/>
           <a:p>
             <a:r>
-              <a:rPr lang="en-US" sz="1400" smtClean="0">
+              <a:rPr lang="en-US" sz="1400">
                 <a:latin typeface="Times New Roman"/>
               </a:rPr>
               <a:t>&lt;date/time&gt;</a:t>
@@ -1443,7 +1967,7 @@
           <a:p>
             <a:pPr algn="ctr"/>
             <a:r>
-              <a:rPr lang="en-US" sz="1400" smtClean="0">
+              <a:rPr lang="en-US" sz="1400">
                 <a:latin typeface="Times New Roman"/>
               </a:rPr>
               <a:t>&lt;footer&gt;</a:t>
@@ -1528,7 +2052,7 @@
           </a:lstStyle>
           <a:p>
             <a:r>
-              <a:rPr lang="en-US" smtClean="0"/>
+              <a:rPr lang="en-US"/>
               <a:t>Click to edit Master title style</a:t>
             </a:r>
             <a:endParaRPr lang="en-US" dirty="0"/>
@@ -1603,7 +2127,7 @@
           <a:p>
             <a:pPr lvl="0"/>
             <a:r>
-              <a:rPr lang="en-US" smtClean="0"/>
+              <a:rPr lang="en-US"/>
               <a:t>Click to edit Master text styles</a:t>
             </a:r>
           </a:p>
@@ -1670,7 +2194,7 @@
           <a:p>
             <a:pPr lvl="0"/>
             <a:r>
-              <a:rPr lang="en-US" smtClean="0"/>
+              <a:rPr lang="en-US"/>
               <a:t>Click to edit Master text styles</a:t>
             </a:r>
           </a:p>
@@ -1744,7 +2268,7 @@
           <a:p>
             <a:pPr lvl="0"/>
             <a:r>
-              <a:rPr lang="en-US" smtClean="0"/>
+              <a:rPr lang="en-US"/>
               <a:t>Click to edit Master text styles</a:t>
             </a:r>
           </a:p>
@@ -1811,7 +2335,7 @@
           <a:p>
             <a:pPr lvl="0"/>
             <a:r>
-              <a:rPr lang="en-US" smtClean="0"/>
+              <a:rPr lang="en-US"/>
               <a:t>Click to edit Master text styles</a:t>
             </a:r>
           </a:p>
@@ -1885,7 +2409,7 @@
           <a:p>
             <a:pPr lvl="0"/>
             <a:r>
-              <a:rPr lang="en-US" smtClean="0"/>
+              <a:rPr lang="en-US"/>
               <a:t>Click to edit Master text styles</a:t>
             </a:r>
           </a:p>
@@ -1952,7 +2476,7 @@
           <a:p>
             <a:pPr lvl="0"/>
             <a:r>
-              <a:rPr lang="en-US" smtClean="0"/>
+              <a:rPr lang="en-US"/>
               <a:t>Click to edit Master text styles</a:t>
             </a:r>
           </a:p>
@@ -2052,7 +2576,7 @@
           <a:lstStyle/>
           <a:p>
             <a:r>
-              <a:rPr lang="en-US" sz="1400" smtClean="0">
+              <a:rPr lang="en-US" sz="1400">
                 <a:latin typeface="Times New Roman"/>
               </a:rPr>
               <a:t>&lt;date/time&gt;</a:t>
@@ -2078,7 +2602,7 @@
           <a:p>
             <a:pPr algn="ctr"/>
             <a:r>
-              <a:rPr lang="en-US" sz="1400" smtClean="0">
+              <a:rPr lang="en-US" sz="1400">
                 <a:latin typeface="Times New Roman"/>
               </a:rPr>
               <a:t>&lt;footer&gt;</a:t>
@@ -2163,7 +2687,7 @@
           </a:lstStyle>
           <a:p>
             <a:r>
-              <a:rPr lang="en-US" smtClean="0"/>
+              <a:rPr lang="en-US"/>
               <a:t>Click to edit Master title style</a:t>
             </a:r>
             <a:endParaRPr lang="en-US" dirty="0"/>
@@ -2238,7 +2762,7 @@
           <a:p>
             <a:pPr lvl="0"/>
             <a:r>
-              <a:rPr lang="en-US" smtClean="0"/>
+              <a:rPr lang="en-US"/>
               <a:t>Click to edit Master text styles</a:t>
             </a:r>
           </a:p>
@@ -2316,7 +2840,7 @@
           </a:lstStyle>
           <a:p>
             <a:r>
-              <a:rPr lang="en-US" smtClean="0"/>
+              <a:rPr lang="en-US"/>
               <a:t>Click icon to add picture</a:t>
             </a:r>
             <a:endParaRPr lang="en-US" dirty="0"/>
@@ -2384,7 +2908,7 @@
           <a:p>
             <a:pPr lvl="0"/>
             <a:r>
-              <a:rPr lang="en-US" smtClean="0"/>
+              <a:rPr lang="en-US"/>
               <a:t>Click to edit Master text styles</a:t>
             </a:r>
           </a:p>
@@ -2458,7 +2982,7 @@
           <a:p>
             <a:pPr lvl="0"/>
             <a:r>
-              <a:rPr lang="en-US" smtClean="0"/>
+              <a:rPr lang="en-US"/>
               <a:t>Click to edit Master text styles</a:t>
             </a:r>
           </a:p>
@@ -2536,7 +3060,7 @@
           </a:lstStyle>
           <a:p>
             <a:r>
-              <a:rPr lang="en-US" smtClean="0"/>
+              <a:rPr lang="en-US"/>
               <a:t>Click icon to add picture</a:t>
             </a:r>
             <a:endParaRPr lang="en-US" dirty="0"/>
@@ -2604,7 +3128,7 @@
           <a:p>
             <a:pPr lvl="0"/>
             <a:r>
-              <a:rPr lang="en-US" smtClean="0"/>
+              <a:rPr lang="en-US"/>
               <a:t>Click to edit Master text styles</a:t>
             </a:r>
           </a:p>
@@ -2678,7 +3202,7 @@
           <a:p>
             <a:pPr lvl="0"/>
             <a:r>
-              <a:rPr lang="en-US" smtClean="0"/>
+              <a:rPr lang="en-US"/>
               <a:t>Click to edit Master text styles</a:t>
             </a:r>
           </a:p>
@@ -2756,7 +3280,7 @@
           </a:lstStyle>
           <a:p>
             <a:r>
-              <a:rPr lang="en-US" smtClean="0"/>
+              <a:rPr lang="en-US"/>
               <a:t>Click icon to add picture</a:t>
             </a:r>
             <a:endParaRPr lang="en-US" dirty="0"/>
@@ -2824,7 +3348,7 @@
           <a:p>
             <a:pPr lvl="0"/>
             <a:r>
-              <a:rPr lang="en-US" smtClean="0"/>
+              <a:rPr lang="en-US"/>
               <a:t>Click to edit Master text styles</a:t>
             </a:r>
           </a:p>
@@ -2924,7 +3448,7 @@
           <a:lstStyle/>
           <a:p>
             <a:r>
-              <a:rPr lang="en-US" sz="1400" smtClean="0">
+              <a:rPr lang="en-US" sz="1400">
                 <a:latin typeface="Times New Roman"/>
               </a:rPr>
               <a:t>&lt;date/time&gt;</a:t>
@@ -2950,7 +3474,7 @@
           <a:p>
             <a:pPr algn="ctr"/>
             <a:r>
-              <a:rPr lang="en-US" sz="1400" smtClean="0">
+              <a:rPr lang="en-US" sz="1400">
                 <a:latin typeface="Times New Roman"/>
               </a:rPr>
               <a:t>&lt;footer&gt;</a:t>
@@ -3031,7 +3555,7 @@
           <a:lstStyle/>
           <a:p>
             <a:r>
-              <a:rPr lang="en-US" smtClean="0"/>
+              <a:rPr lang="en-US"/>
               <a:t>Click to edit Master title style</a:t>
             </a:r>
             <a:endParaRPr lang="en-US" dirty="0"/>
@@ -3055,35 +3579,35 @@
           <a:p>
             <a:pPr lvl="0"/>
             <a:r>
-              <a:rPr lang="en-US" smtClean="0"/>
+              <a:rPr lang="en-US"/>
               <a:t>Click to edit Master text styles</a:t>
             </a:r>
           </a:p>
           <a:p>
             <a:pPr lvl="1"/>
             <a:r>
-              <a:rPr lang="en-US" smtClean="0"/>
+              <a:rPr lang="en-US"/>
               <a:t>Second level</a:t>
             </a:r>
           </a:p>
           <a:p>
             <a:pPr lvl="2"/>
             <a:r>
-              <a:rPr lang="en-US" smtClean="0"/>
+              <a:rPr lang="en-US"/>
               <a:t>Third level</a:t>
             </a:r>
           </a:p>
           <a:p>
             <a:pPr lvl="3"/>
             <a:r>
-              <a:rPr lang="en-US" smtClean="0"/>
+              <a:rPr lang="en-US"/>
               <a:t>Fourth level</a:t>
             </a:r>
           </a:p>
           <a:p>
             <a:pPr lvl="4"/>
             <a:r>
-              <a:rPr lang="en-US" smtClean="0"/>
+              <a:rPr lang="en-US"/>
               <a:t>Fifth level</a:t>
             </a:r>
             <a:endParaRPr lang="en-US" dirty="0"/>
@@ -3106,7 +3630,7 @@
           <a:lstStyle/>
           <a:p>
             <a:r>
-              <a:rPr lang="en-US" sz="1400" smtClean="0">
+              <a:rPr lang="en-US" sz="1400">
                 <a:latin typeface="Times New Roman"/>
               </a:rPr>
               <a:t>&lt;date/time&gt;</a:t>
@@ -3132,7 +3656,7 @@
           <a:p>
             <a:pPr algn="ctr"/>
             <a:r>
-              <a:rPr lang="en-US" sz="1400" smtClean="0">
+              <a:rPr lang="en-US" sz="1400">
                 <a:latin typeface="Times New Roman"/>
               </a:rPr>
               <a:t>&lt;footer&gt;</a:t>
@@ -3218,7 +3742,7 @@
           <a:lstStyle/>
           <a:p>
             <a:r>
-              <a:rPr lang="en-US" smtClean="0"/>
+              <a:rPr lang="en-US"/>
               <a:t>Click to edit Master title style</a:t>
             </a:r>
             <a:endParaRPr lang="en-US" dirty="0"/>
@@ -3247,35 +3771,35 @@
           <a:p>
             <a:pPr lvl="0"/>
             <a:r>
-              <a:rPr lang="en-US" smtClean="0"/>
+              <a:rPr lang="en-US"/>
               <a:t>Click to edit Master text styles</a:t>
             </a:r>
           </a:p>
           <a:p>
             <a:pPr lvl="1"/>
             <a:r>
-              <a:rPr lang="en-US" smtClean="0"/>
+              <a:rPr lang="en-US"/>
               <a:t>Second level</a:t>
             </a:r>
           </a:p>
           <a:p>
             <a:pPr lvl="2"/>
             <a:r>
-              <a:rPr lang="en-US" smtClean="0"/>
+              <a:rPr lang="en-US"/>
               <a:t>Third level</a:t>
             </a:r>
           </a:p>
           <a:p>
             <a:pPr lvl="3"/>
             <a:r>
-              <a:rPr lang="en-US" smtClean="0"/>
+              <a:rPr lang="en-US"/>
               <a:t>Fourth level</a:t>
             </a:r>
           </a:p>
           <a:p>
             <a:pPr lvl="4"/>
             <a:r>
-              <a:rPr lang="en-US" smtClean="0"/>
+              <a:rPr lang="en-US"/>
               <a:t>Fifth level</a:t>
             </a:r>
             <a:endParaRPr lang="en-US" dirty="0"/>
@@ -3298,7 +3822,7 @@
           <a:lstStyle/>
           <a:p>
             <a:r>
-              <a:rPr lang="en-US" sz="1400" smtClean="0">
+              <a:rPr lang="en-US" sz="1400">
                 <a:latin typeface="Times New Roman"/>
               </a:rPr>
               <a:t>&lt;date/time&gt;</a:t>
@@ -3324,7 +3848,7 @@
           <a:p>
             <a:pPr algn="ctr"/>
             <a:r>
-              <a:rPr lang="en-US" sz="1400" smtClean="0">
+              <a:rPr lang="en-US" sz="1400">
                 <a:latin typeface="Times New Roman"/>
               </a:rPr>
               <a:t>&lt;footer&gt;</a:t>
@@ -3405,7 +3929,7 @@
           <a:lstStyle/>
           <a:p>
             <a:r>
-              <a:rPr lang="en-US" smtClean="0"/>
+              <a:rPr lang="en-US"/>
               <a:t>Click to edit Master title style</a:t>
             </a:r>
             <a:endParaRPr lang="en-US" dirty="0"/>
@@ -3429,35 +3953,35 @@
           <a:p>
             <a:pPr lvl="0"/>
             <a:r>
-              <a:rPr lang="en-US" smtClean="0"/>
+              <a:rPr lang="en-US"/>
               <a:t>Click to edit Master text styles</a:t>
             </a:r>
           </a:p>
           <a:p>
             <a:pPr lvl="1"/>
             <a:r>
-              <a:rPr lang="en-US" smtClean="0"/>
+              <a:rPr lang="en-US"/>
               <a:t>Second level</a:t>
             </a:r>
           </a:p>
           <a:p>
             <a:pPr lvl="2"/>
             <a:r>
-              <a:rPr lang="en-US" smtClean="0"/>
+              <a:rPr lang="en-US"/>
               <a:t>Third level</a:t>
             </a:r>
           </a:p>
           <a:p>
             <a:pPr lvl="3"/>
             <a:r>
-              <a:rPr lang="en-US" smtClean="0"/>
+              <a:rPr lang="en-US"/>
               <a:t>Fourth level</a:t>
             </a:r>
           </a:p>
           <a:p>
             <a:pPr lvl="4"/>
             <a:r>
-              <a:rPr lang="en-US" smtClean="0"/>
+              <a:rPr lang="en-US"/>
               <a:t>Fifth level</a:t>
             </a:r>
             <a:endParaRPr lang="en-US" dirty="0"/>
@@ -3480,7 +4004,7 @@
           <a:lstStyle/>
           <a:p>
             <a:r>
-              <a:rPr lang="en-US" sz="1400" smtClean="0">
+              <a:rPr lang="en-US" sz="1400">
                 <a:latin typeface="Times New Roman"/>
               </a:rPr>
               <a:t>&lt;date/time&gt;</a:t>
@@ -3506,7 +4030,7 @@
           <a:p>
             <a:pPr algn="ctr"/>
             <a:r>
-              <a:rPr lang="en-US" sz="1400" smtClean="0">
+              <a:rPr lang="en-US" sz="1400">
                 <a:latin typeface="Times New Roman"/>
               </a:rPr>
               <a:t>&lt;footer&gt;</a:t>
@@ -3596,7 +4120,7 @@
           </a:lstStyle>
           <a:p>
             <a:r>
-              <a:rPr lang="en-US" smtClean="0"/>
+              <a:rPr lang="en-US"/>
               <a:t>Click to edit Master title style</a:t>
             </a:r>
             <a:endParaRPr lang="en-US" dirty="0"/>
@@ -3717,7 +4241,7 @@
           <a:p>
             <a:pPr lvl="0"/>
             <a:r>
-              <a:rPr lang="en-US" smtClean="0"/>
+              <a:rPr lang="en-US"/>
               <a:t>Click to edit Master text styles</a:t>
             </a:r>
           </a:p>
@@ -3739,7 +4263,7 @@
           <a:lstStyle/>
           <a:p>
             <a:r>
-              <a:rPr lang="en-US" sz="1400" smtClean="0">
+              <a:rPr lang="en-US" sz="1400">
                 <a:latin typeface="Times New Roman"/>
               </a:rPr>
               <a:t>&lt;date/time&gt;</a:t>
@@ -3765,7 +4289,7 @@
           <a:p>
             <a:pPr algn="ctr"/>
             <a:r>
-              <a:rPr lang="en-US" sz="1400" smtClean="0">
+              <a:rPr lang="en-US" sz="1400">
                 <a:latin typeface="Times New Roman"/>
               </a:rPr>
               <a:t>&lt;footer&gt;</a:t>
@@ -3846,7 +4370,7 @@
           <a:lstStyle/>
           <a:p>
             <a:r>
-              <a:rPr lang="en-US" smtClean="0"/>
+              <a:rPr lang="en-US"/>
               <a:t>Click to edit Master title style</a:t>
             </a:r>
             <a:endParaRPr lang="en-US" dirty="0"/>
@@ -3905,35 +4429,35 @@
           <a:p>
             <a:pPr lvl="0"/>
             <a:r>
-              <a:rPr lang="en-US" smtClean="0"/>
+              <a:rPr lang="en-US"/>
               <a:t>Click to edit Master text styles</a:t>
             </a:r>
           </a:p>
           <a:p>
             <a:pPr lvl="1"/>
             <a:r>
-              <a:rPr lang="en-US" smtClean="0"/>
+              <a:rPr lang="en-US"/>
               <a:t>Second level</a:t>
             </a:r>
           </a:p>
           <a:p>
             <a:pPr lvl="2"/>
             <a:r>
-              <a:rPr lang="en-US" smtClean="0"/>
+              <a:rPr lang="en-US"/>
               <a:t>Third level</a:t>
             </a:r>
           </a:p>
           <a:p>
             <a:pPr lvl="3"/>
             <a:r>
-              <a:rPr lang="en-US" smtClean="0"/>
+              <a:rPr lang="en-US"/>
               <a:t>Fourth level</a:t>
             </a:r>
           </a:p>
           <a:p>
             <a:pPr lvl="4"/>
             <a:r>
-              <a:rPr lang="en-US" smtClean="0"/>
+              <a:rPr lang="en-US"/>
               <a:t>Fifth level</a:t>
             </a:r>
             <a:endParaRPr lang="en-US" dirty="0"/>
@@ -3992,35 +4516,35 @@
           <a:p>
             <a:pPr lvl="0"/>
             <a:r>
-              <a:rPr lang="en-US" smtClean="0"/>
+              <a:rPr lang="en-US"/>
               <a:t>Click to edit Master text styles</a:t>
             </a:r>
           </a:p>
           <a:p>
             <a:pPr lvl="1"/>
             <a:r>
-              <a:rPr lang="en-US" smtClean="0"/>
+              <a:rPr lang="en-US"/>
               <a:t>Second level</a:t>
             </a:r>
           </a:p>
           <a:p>
             <a:pPr lvl="2"/>
             <a:r>
-              <a:rPr lang="en-US" smtClean="0"/>
+              <a:rPr lang="en-US"/>
               <a:t>Third level</a:t>
             </a:r>
           </a:p>
           <a:p>
             <a:pPr lvl="3"/>
             <a:r>
-              <a:rPr lang="en-US" smtClean="0"/>
+              <a:rPr lang="en-US"/>
               <a:t>Fourth level</a:t>
             </a:r>
           </a:p>
           <a:p>
             <a:pPr lvl="4"/>
             <a:r>
-              <a:rPr lang="en-US" smtClean="0"/>
+              <a:rPr lang="en-US"/>
               <a:t>Fifth level</a:t>
             </a:r>
             <a:endParaRPr lang="en-US" dirty="0"/>
@@ -4043,7 +4567,7 @@
           <a:lstStyle/>
           <a:p>
             <a:r>
-              <a:rPr lang="en-US" sz="1400" smtClean="0">
+              <a:rPr lang="en-US" sz="1400">
                 <a:latin typeface="Times New Roman"/>
               </a:rPr>
               <a:t>&lt;date/time&gt;</a:t>
@@ -4069,7 +4593,7 @@
           <a:p>
             <a:pPr algn="ctr"/>
             <a:r>
-              <a:rPr lang="en-US" sz="1400" smtClean="0">
+              <a:rPr lang="en-US" sz="1400">
                 <a:latin typeface="Times New Roman"/>
               </a:rPr>
               <a:t>&lt;footer&gt;</a:t>
@@ -4154,7 +4678,7 @@
           </a:lstStyle>
           <a:p>
             <a:r>
-              <a:rPr lang="en-US" smtClean="0"/>
+              <a:rPr lang="en-US"/>
               <a:t>Click to edit Master title style</a:t>
             </a:r>
             <a:endParaRPr lang="en-US" dirty="0"/>
@@ -4229,7 +4753,7 @@
           <a:p>
             <a:pPr lvl="0"/>
             <a:r>
-              <a:rPr lang="en-US" smtClean="0"/>
+              <a:rPr lang="en-US"/>
               <a:t>Click to edit Master text styles</a:t>
             </a:r>
           </a:p>
@@ -4287,35 +4811,35 @@
           <a:p>
             <a:pPr lvl="0"/>
             <a:r>
-              <a:rPr lang="en-US" smtClean="0"/>
+              <a:rPr lang="en-US"/>
               <a:t>Click to edit Master text styles</a:t>
             </a:r>
           </a:p>
           <a:p>
             <a:pPr lvl="1"/>
             <a:r>
-              <a:rPr lang="en-US" smtClean="0"/>
+              <a:rPr lang="en-US"/>
               <a:t>Second level</a:t>
             </a:r>
           </a:p>
           <a:p>
             <a:pPr lvl="2"/>
             <a:r>
-              <a:rPr lang="en-US" smtClean="0"/>
+              <a:rPr lang="en-US"/>
               <a:t>Third level</a:t>
             </a:r>
           </a:p>
           <a:p>
             <a:pPr lvl="3"/>
             <a:r>
-              <a:rPr lang="en-US" smtClean="0"/>
+              <a:rPr lang="en-US"/>
               <a:t>Fourth level</a:t>
             </a:r>
           </a:p>
           <a:p>
             <a:pPr lvl="4"/>
             <a:r>
-              <a:rPr lang="en-US" smtClean="0"/>
+              <a:rPr lang="en-US"/>
               <a:t>Fifth level</a:t>
             </a:r>
             <a:endParaRPr lang="en-US" dirty="0"/>
@@ -4390,7 +4914,7 @@
           <a:p>
             <a:pPr lvl="0"/>
             <a:r>
-              <a:rPr lang="en-US" smtClean="0"/>
+              <a:rPr lang="en-US"/>
               <a:t>Click to edit Master text styles</a:t>
             </a:r>
           </a:p>
@@ -4448,35 +4972,35 @@
           <a:p>
             <a:pPr lvl="0"/>
             <a:r>
-              <a:rPr lang="en-US" smtClean="0"/>
+              <a:rPr lang="en-US"/>
               <a:t>Click to edit Master text styles</a:t>
             </a:r>
           </a:p>
           <a:p>
             <a:pPr lvl="1"/>
             <a:r>
-              <a:rPr lang="en-US" smtClean="0"/>
+              <a:rPr lang="en-US"/>
               <a:t>Second level</a:t>
             </a:r>
           </a:p>
           <a:p>
             <a:pPr lvl="2"/>
             <a:r>
-              <a:rPr lang="en-US" smtClean="0"/>
+              <a:rPr lang="en-US"/>
               <a:t>Third level</a:t>
             </a:r>
           </a:p>
           <a:p>
             <a:pPr lvl="3"/>
             <a:r>
-              <a:rPr lang="en-US" smtClean="0"/>
+              <a:rPr lang="en-US"/>
               <a:t>Fourth level</a:t>
             </a:r>
           </a:p>
           <a:p>
             <a:pPr lvl="4"/>
             <a:r>
-              <a:rPr lang="en-US" smtClean="0"/>
+              <a:rPr lang="en-US"/>
               <a:t>Fifth level</a:t>
             </a:r>
             <a:endParaRPr lang="en-US" dirty="0"/>
@@ -4499,7 +5023,7 @@
           <a:lstStyle/>
           <a:p>
             <a:r>
-              <a:rPr lang="en-US" sz="1400" smtClean="0">
+              <a:rPr lang="en-US" sz="1400">
                 <a:latin typeface="Times New Roman"/>
               </a:rPr>
               <a:t>&lt;date/time&gt;</a:t>
@@ -4525,7 +5049,7 @@
           <a:p>
             <a:pPr algn="ctr"/>
             <a:r>
-              <a:rPr lang="en-US" sz="1400" smtClean="0">
+              <a:rPr lang="en-US" sz="1400">
                 <a:latin typeface="Times New Roman"/>
               </a:rPr>
               <a:t>&lt;footer&gt;</a:t>
@@ -4606,7 +5130,7 @@
           <a:lstStyle/>
           <a:p>
             <a:r>
-              <a:rPr lang="en-US" smtClean="0"/>
+              <a:rPr lang="en-US"/>
               <a:t>Click to edit Master title style</a:t>
             </a:r>
             <a:endParaRPr lang="en-US" dirty="0"/>
@@ -4630,7 +5154,7 @@
           <a:p>
             <a:fld id="{E93B9923-E3EC-48CC-9721-9F39E972B268}" type="datetimeFigureOut">
               <a:rPr lang="en-US" smtClean="0"/>
-              <a:t>5/11/2015</a:t>
+              <a:t>5/22/2017</a:t>
             </a:fld>
             <a:endParaRPr lang="en-US"/>
           </a:p>
@@ -4724,7 +5248,7 @@
           <a:lstStyle/>
           <a:p>
             <a:r>
-              <a:rPr lang="en-US" sz="1400" smtClean="0">
+              <a:rPr lang="en-US" sz="1400">
                 <a:latin typeface="Times New Roman"/>
               </a:rPr>
               <a:t>&lt;date/time&gt;</a:t>
@@ -4750,7 +5274,7 @@
           <a:p>
             <a:pPr algn="ctr"/>
             <a:r>
-              <a:rPr lang="en-US" sz="1400" smtClean="0">
+              <a:rPr lang="en-US" sz="1400">
                 <a:latin typeface="Times New Roman"/>
               </a:rPr>
               <a:t>&lt;footer&gt;</a:t>
@@ -4840,7 +5364,7 @@
           </a:lstStyle>
           <a:p>
             <a:r>
-              <a:rPr lang="en-US" smtClean="0"/>
+              <a:rPr lang="en-US"/>
               <a:t>Click to edit Master title style</a:t>
             </a:r>
             <a:endParaRPr lang="en-US" dirty="0"/>
@@ -4899,35 +5423,35 @@
           <a:p>
             <a:pPr lvl="0"/>
             <a:r>
-              <a:rPr lang="en-US" smtClean="0"/>
+              <a:rPr lang="en-US"/>
               <a:t>Click to edit Master text styles</a:t>
             </a:r>
           </a:p>
           <a:p>
             <a:pPr lvl="1"/>
             <a:r>
-              <a:rPr lang="en-US" smtClean="0"/>
+              <a:rPr lang="en-US"/>
               <a:t>Second level</a:t>
             </a:r>
           </a:p>
           <a:p>
             <a:pPr lvl="2"/>
             <a:r>
-              <a:rPr lang="en-US" smtClean="0"/>
+              <a:rPr lang="en-US"/>
               <a:t>Third level</a:t>
             </a:r>
           </a:p>
           <a:p>
             <a:pPr lvl="3"/>
             <a:r>
-              <a:rPr lang="en-US" smtClean="0"/>
+              <a:rPr lang="en-US"/>
               <a:t>Fourth level</a:t>
             </a:r>
           </a:p>
           <a:p>
             <a:pPr lvl="4"/>
             <a:r>
-              <a:rPr lang="en-US" smtClean="0"/>
+              <a:rPr lang="en-US"/>
               <a:t>Fifth level</a:t>
             </a:r>
             <a:endParaRPr lang="en-US" dirty="0"/>
@@ -4993,7 +5517,7 @@
           <a:p>
             <a:pPr lvl="0"/>
             <a:r>
-              <a:rPr lang="en-US" smtClean="0"/>
+              <a:rPr lang="en-US"/>
               <a:t>Click to edit Master text styles</a:t>
             </a:r>
           </a:p>
@@ -5015,7 +5539,7 @@
           <a:lstStyle/>
           <a:p>
             <a:r>
-              <a:rPr lang="en-US" sz="1400" smtClean="0">
+              <a:rPr lang="en-US" sz="1400">
                 <a:latin typeface="Times New Roman"/>
               </a:rPr>
               <a:t>&lt;date/time&gt;</a:t>
@@ -5041,7 +5565,7 @@
           <a:p>
             <a:pPr algn="ctr"/>
             <a:r>
-              <a:rPr lang="en-US" sz="1400" smtClean="0">
+              <a:rPr lang="en-US" sz="1400">
                 <a:latin typeface="Times New Roman"/>
               </a:rPr>
               <a:t>&lt;footer&gt;</a:t>
@@ -5133,7 +5657,7 @@
           </a:lstStyle>
           <a:p>
             <a:r>
-              <a:rPr lang="en-US" smtClean="0"/>
+              <a:rPr lang="en-US"/>
               <a:t>Click to edit Master title style</a:t>
             </a:r>
             <a:endParaRPr lang="en-US" dirty="0"/>
@@ -5212,7 +5736,7 @@
           </a:lstStyle>
           <a:p>
             <a:r>
-              <a:rPr lang="en-US" smtClean="0"/>
+              <a:rPr lang="en-US"/>
               <a:t>Click icon to add picture</a:t>
             </a:r>
             <a:endParaRPr lang="en-US" dirty="0"/>
@@ -5280,7 +5804,7 @@
           <a:p>
             <a:pPr lvl="0"/>
             <a:r>
-              <a:rPr lang="en-US" smtClean="0"/>
+              <a:rPr lang="en-US"/>
               <a:t>Click to edit Master text styles</a:t>
             </a:r>
           </a:p>
@@ -5302,7 +5826,7 @@
           <a:lstStyle/>
           <a:p>
             <a:r>
-              <a:rPr lang="en-US" sz="1400" smtClean="0">
+              <a:rPr lang="en-US" sz="1400">
                 <a:latin typeface="Times New Roman"/>
               </a:rPr>
               <a:t>&lt;date/time&gt;</a:t>
@@ -5328,7 +5852,7 @@
           <a:p>
             <a:pPr algn="ctr"/>
             <a:r>
-              <a:rPr lang="en-US" sz="1400" smtClean="0">
+              <a:rPr lang="en-US" sz="1400">
                 <a:latin typeface="Times New Roman"/>
               </a:rPr>
               <a:t>&lt;footer&gt;</a:t>
@@ -5775,7 +6299,7 @@
           <a:lstStyle/>
           <a:p>
             <a:r>
-              <a:rPr lang="en-US" smtClean="0"/>
+              <a:rPr lang="en-US"/>
               <a:t>Click to edit Master title style</a:t>
             </a:r>
             <a:endParaRPr lang="en-US" dirty="0"/>
@@ -5809,35 +6333,35 @@
           <a:p>
             <a:pPr lvl="0"/>
             <a:r>
-              <a:rPr lang="en-US" smtClean="0"/>
+              <a:rPr lang="en-US"/>
               <a:t>Click to edit Master text styles</a:t>
             </a:r>
           </a:p>
           <a:p>
             <a:pPr lvl="1"/>
             <a:r>
-              <a:rPr lang="en-US" smtClean="0"/>
+              <a:rPr lang="en-US"/>
               <a:t>Second level</a:t>
             </a:r>
           </a:p>
           <a:p>
             <a:pPr lvl="2"/>
             <a:r>
-              <a:rPr lang="en-US" smtClean="0"/>
+              <a:rPr lang="en-US"/>
               <a:t>Third level</a:t>
             </a:r>
           </a:p>
           <a:p>
             <a:pPr lvl="3"/>
             <a:r>
-              <a:rPr lang="en-US" smtClean="0"/>
+              <a:rPr lang="en-US"/>
               <a:t>Fourth level</a:t>
             </a:r>
           </a:p>
           <a:p>
             <a:pPr lvl="4"/>
             <a:r>
-              <a:rPr lang="en-US" smtClean="0"/>
+              <a:rPr lang="en-US"/>
               <a:t>Fifth level</a:t>
             </a:r>
             <a:endParaRPr lang="en-US" dirty="0"/>
@@ -5879,7 +6403,7 @@
           </a:lstStyle>
           <a:p>
             <a:r>
-              <a:rPr lang="en-US" sz="1400" smtClean="0">
+              <a:rPr lang="en-US" sz="1400">
                 <a:latin typeface="Times New Roman"/>
               </a:rPr>
               <a:t>&lt;date/time&gt;</a:t>
@@ -5924,7 +6448,7 @@
           <a:p>
             <a:pPr algn="ctr"/>
             <a:r>
-              <a:rPr lang="en-US" sz="1400" smtClean="0">
+              <a:rPr lang="en-US" sz="1400">
                 <a:latin typeface="Times New Roman"/>
               </a:rPr>
               <a:t>&lt;footer&gt;</a:t>
@@ -6436,10 +6960,9 @@
           <a:lstStyle/>
           <a:p>
             <a:r>
-              <a:rPr lang="en-US" dirty="0" smtClean="0"/>
+              <a:rPr lang="en-US" dirty="0"/>
               <a:t>Today’s Narrative</a:t>
             </a:r>
-            <a:endParaRPr lang="en-US" dirty="0"/>
           </a:p>
         </p:txBody>
       </p:sp>
@@ -6466,120 +6989,115 @@
           <a:lstStyle/>
           <a:p>
             <a:r>
-              <a:rPr lang="en-US" dirty="0" smtClean="0"/>
+              <a:rPr lang="en-US" dirty="0"/>
               <a:t>Everything you’ve done up until now has probably been right.</a:t>
             </a:r>
           </a:p>
           <a:p>
             <a:pPr lvl="1"/>
             <a:r>
-              <a:rPr lang="en-US" dirty="0" smtClean="0"/>
+              <a:rPr lang="en-US" dirty="0"/>
               <a:t>We’re now discussing how to do better.</a:t>
             </a:r>
           </a:p>
           <a:p>
             <a:r>
-              <a:rPr lang="en-US" dirty="0" smtClean="0"/>
-              <a:t>You </a:t>
-            </a:r>
-            <a:r>
-              <a:rPr lang="en-US" dirty="0" smtClean="0"/>
-              <a:t>need to know the choices you face because everything is faster. We’ll do that.</a:t>
+              <a:rPr lang="en-US" dirty="0"/>
+              <a:t>You need to know the choices you face because everything is faster. We’ll do that.</a:t>
             </a:r>
           </a:p>
           <a:p>
             <a:pPr lvl="1"/>
             <a:r>
-              <a:rPr lang="en-US" dirty="0" err="1" smtClean="0"/>
+              <a:rPr lang="en-US" dirty="0" err="1"/>
               <a:t>Microservices</a:t>
             </a:r>
-            <a:endParaRPr lang="en-US" dirty="0" smtClean="0"/>
+            <a:endParaRPr lang="en-US" dirty="0"/>
           </a:p>
           <a:p>
             <a:pPr lvl="1"/>
             <a:r>
-              <a:rPr lang="en-US" dirty="0" smtClean="0"/>
+              <a:rPr lang="en-US" dirty="0"/>
               <a:t>Containers</a:t>
             </a:r>
           </a:p>
           <a:p>
             <a:pPr lvl="1"/>
             <a:r>
-              <a:rPr lang="en-US" dirty="0" smtClean="0"/>
+              <a:rPr lang="en-US" dirty="0"/>
               <a:t>Orchestration systems</a:t>
             </a:r>
           </a:p>
           <a:p>
             <a:pPr lvl="1"/>
             <a:r>
-              <a:rPr lang="en-US" dirty="0" smtClean="0"/>
+              <a:rPr lang="en-US" dirty="0"/>
               <a:t>Live monitoring and testing</a:t>
             </a:r>
           </a:p>
           <a:p>
             <a:pPr lvl="1"/>
             <a:r>
-              <a:rPr lang="en-US" dirty="0" smtClean="0"/>
-              <a:t>Service Fabric and the Actor Model</a:t>
-            </a:r>
-          </a:p>
-          <a:p>
-            <a:r>
-              <a:rPr lang="en-US" dirty="0" smtClean="0"/>
+              <a:rPr lang="en-US" dirty="0"/>
+              <a:t>Service Fabric and the Container Service</a:t>
+            </a:r>
+          </a:p>
+          <a:p>
+            <a:r>
+              <a:rPr lang="en-US" dirty="0"/>
               <a:t>You’ll need to know how to navigate those choices. We’ll do that, too. Arguments welcome.</a:t>
             </a:r>
           </a:p>
           <a:p>
             <a:pPr lvl="1"/>
             <a:r>
-              <a:rPr lang="en-US" dirty="0" smtClean="0"/>
+              <a:rPr lang="en-US" dirty="0"/>
               <a:t>Migrate – do not sprint -- toward agile </a:t>
             </a:r>
             <a:r>
-              <a:rPr lang="en-US" dirty="0" err="1" smtClean="0"/>
+              <a:rPr lang="en-US" dirty="0" err="1"/>
               <a:t>devops</a:t>
             </a:r>
             <a:r>
-              <a:rPr lang="en-US" dirty="0" smtClean="0"/>
+              <a:rPr lang="en-US" dirty="0"/>
               <a:t> workflows and </a:t>
             </a:r>
             <a:r>
-              <a:rPr lang="en-US" dirty="0" err="1" smtClean="0"/>
+              <a:rPr lang="en-US" dirty="0" err="1"/>
               <a:t>microservice</a:t>
             </a:r>
             <a:r>
-              <a:rPr lang="en-US" dirty="0" smtClean="0"/>
+              <a:rPr lang="en-US" dirty="0"/>
               <a:t> architecture approach</a:t>
             </a:r>
           </a:p>
           <a:p>
             <a:pPr lvl="1"/>
             <a:r>
-              <a:rPr lang="en-US" dirty="0" smtClean="0"/>
+              <a:rPr lang="en-US" dirty="0"/>
               <a:t>Automate, orchestrate, monitor</a:t>
             </a:r>
           </a:p>
           <a:p>
             <a:pPr lvl="1"/>
             <a:r>
-              <a:rPr lang="en-US" dirty="0" smtClean="0"/>
+              <a:rPr lang="en-US" dirty="0"/>
               <a:t>Get the little things right</a:t>
             </a:r>
           </a:p>
           <a:p>
             <a:pPr lvl="1"/>
             <a:r>
-              <a:rPr lang="en-US" dirty="0" smtClean="0"/>
+              <a:rPr lang="en-US" dirty="0"/>
               <a:t>Choose a great partner, but have more than one</a:t>
             </a:r>
           </a:p>
           <a:p>
             <a:pPr lvl="1"/>
             <a:r>
-              <a:rPr lang="en-US" dirty="0" smtClean="0"/>
+              <a:rPr lang="en-US" dirty="0"/>
               <a:t>Security first</a:t>
             </a:r>
-            <a:endParaRPr lang="en-US" dirty="0"/>
           </a:p>
         </p:txBody>
       </p:sp>
@@ -7318,10 +7836,9 @@
           <a:lstStyle/>
           <a:p>
             <a:r>
-              <a:rPr lang="en-US" dirty="0" smtClean="0"/>
+              <a:rPr lang="en-US" dirty="0"/>
               <a:t>What I need from YOU</a:t>
             </a:r>
-            <a:endParaRPr lang="en-US" dirty="0"/>
           </a:p>
         </p:txBody>
       </p:sp>
@@ -7341,26 +7858,26 @@
           <a:lstStyle/>
           <a:p>
             <a:r>
-              <a:rPr lang="en-US" dirty="0" smtClean="0"/>
+              <a:rPr lang="en-US" dirty="0"/>
               <a:t>Pretend you’re an obnoxious American from San Francisco. I’ll teach you how!</a:t>
             </a:r>
           </a:p>
           <a:p>
             <a:r>
-              <a:rPr lang="en-US" dirty="0" smtClean="0"/>
+              <a:rPr lang="en-US" dirty="0"/>
               <a:t>Where my brain is: note, I’m trying to bring it here, but….</a:t>
             </a:r>
           </a:p>
           <a:p>
             <a:r>
-              <a:rPr lang="en-US" dirty="0" smtClean="0"/>
+              <a:rPr lang="en-US" dirty="0"/>
               <a:t>Your job today: Call “rat-hole”!!! </a:t>
             </a:r>
           </a:p>
           <a:p>
             <a:pPr lvl="1"/>
             <a:r>
-              <a:rPr lang="en-US" dirty="0" smtClean="0"/>
+              <a:rPr lang="en-US" dirty="0"/>
               <a:t>I’ll teach you. </a:t>
             </a:r>
           </a:p>
@@ -7905,4 +8422,299 @@
     </a:ext>
   </a:extLst>
 </a:theme>
+</file>
+
+<file path=ppt/theme/theme2.xml><?xml version="1.0" encoding="utf-8"?>
+<a:theme xmlns:a="http://schemas.openxmlformats.org/drawingml/2006/main" name="Office Theme">
+  <a:themeElements>
+    <a:clrScheme name="Office">
+      <a:dk1>
+        <a:sysClr val="windowText" lastClr="000000"/>
+      </a:dk1>
+      <a:lt1>
+        <a:sysClr val="window" lastClr="FFFFFF"/>
+      </a:lt1>
+      <a:dk2>
+        <a:srgbClr val="44546A"/>
+      </a:dk2>
+      <a:lt2>
+        <a:srgbClr val="E7E6E6"/>
+      </a:lt2>
+      <a:accent1>
+        <a:srgbClr val="4472C4"/>
+      </a:accent1>
+      <a:accent2>
+        <a:srgbClr val="ED7D31"/>
+      </a:accent2>
+      <a:accent3>
+        <a:srgbClr val="A5A5A5"/>
+      </a:accent3>
+      <a:accent4>
+        <a:srgbClr val="FFC000"/>
+      </a:accent4>
+      <a:accent5>
+        <a:srgbClr val="5B9BD5"/>
+      </a:accent5>
+      <a:accent6>
+        <a:srgbClr val="70AD47"/>
+      </a:accent6>
+      <a:hlink>
+        <a:srgbClr val="0563C1"/>
+      </a:hlink>
+      <a:folHlink>
+        <a:srgbClr val="954F72"/>
+      </a:folHlink>
+    </a:clrScheme>
+    <a:fontScheme name="Office">
+      <a:majorFont>
+        <a:latin typeface="Calibri Light" panose="020F0302020204030204"/>
+        <a:ea typeface=""/>
+        <a:cs typeface=""/>
+        <a:font script="Jpan" typeface="游ゴシック Light"/>
+        <a:font script="Hang" typeface="맑은 고딕"/>
+        <a:font script="Hans" typeface="等线 Light"/>
+        <a:font script="Hant" typeface="新細明體"/>
+        <a:font script="Arab" typeface="Times New Roman"/>
+        <a:font script="Hebr" typeface="Times New Roman"/>
+        <a:font script="Thai" typeface="Angsana New"/>
+        <a:font script="Ethi" typeface="Nyala"/>
+        <a:font script="Beng" typeface="Vrinda"/>
+        <a:font script="Gujr" typeface="Shruti"/>
+        <a:font script="Khmr" typeface="MoolBoran"/>
+        <a:font script="Knda" typeface="Tunga"/>
+        <a:font script="Guru" typeface="Raavi"/>
+        <a:font script="Cans" typeface="Euphemia"/>
+        <a:font script="Cher" typeface="Plantagenet Cherokee"/>
+        <a:font script="Yiii" typeface="Microsoft Yi Baiti"/>
+        <a:font script="Tibt" typeface="Microsoft Himalaya"/>
+        <a:font script="Thaa" typeface="MV Boli"/>
+        <a:font script="Deva" typeface="Mangal"/>
+        <a:font script="Telu" typeface="Gautami"/>
+        <a:font script="Taml" typeface="Latha"/>
+        <a:font script="Syrc" typeface="Estrangelo Edessa"/>
+        <a:font script="Orya" typeface="Kalinga"/>
+        <a:font script="Mlym" typeface="Kartika"/>
+        <a:font script="Laoo" typeface="DokChampa"/>
+        <a:font script="Sinh" typeface="Iskoola Pota"/>
+        <a:font script="Mong" typeface="Mongolian Baiti"/>
+        <a:font script="Viet" typeface="Times New Roman"/>
+        <a:font script="Uigh" typeface="Microsoft Uighur"/>
+        <a:font script="Geor" typeface="Sylfaen"/>
+        <a:font script="Armn" typeface="Arial"/>
+        <a:font script="Bugi" typeface="Leelawadee UI"/>
+        <a:font script="Bopo" typeface="Microsoft JhengHei"/>
+        <a:font script="Java" typeface="Javanese Text"/>
+        <a:font script="Lisu" typeface="Segoe UI"/>
+        <a:font script="Mymr" typeface="Myanmar Text"/>
+        <a:font script="Nkoo" typeface="Ebrima"/>
+        <a:font script="Olck" typeface="Nirmala UI"/>
+        <a:font script="Osma" typeface="Ebrima"/>
+        <a:font script="Phag" typeface="Phagspa"/>
+        <a:font script="Syrn" typeface="Estrangelo Edessa"/>
+        <a:font script="Syrj" typeface="Estrangelo Edessa"/>
+        <a:font script="Syre" typeface="Estrangelo Edessa"/>
+        <a:font script="Sora" typeface="Nirmala UI"/>
+        <a:font script="Tale" typeface="Microsoft Tai Le"/>
+        <a:font script="Talu" typeface="Microsoft New Tai Lue"/>
+        <a:font script="Tfng" typeface="Ebrima"/>
+      </a:majorFont>
+      <a:minorFont>
+        <a:latin typeface="Calibri" panose="020F0502020204030204"/>
+        <a:ea typeface=""/>
+        <a:cs typeface=""/>
+        <a:font script="Jpan" typeface="游ゴシック"/>
+        <a:font script="Hang" typeface="맑은 고딕"/>
+        <a:font script="Hans" typeface="等线"/>
+        <a:font script="Hant" typeface="新細明體"/>
+        <a:font script="Arab" typeface="Arial"/>
+        <a:font script="Hebr" typeface="Arial"/>
+        <a:font script="Thai" typeface="Cordia New"/>
+        <a:font script="Ethi" typeface="Nyala"/>
+        <a:font script="Beng" typeface="Vrinda"/>
+        <a:font script="Gujr" typeface="Shruti"/>
+        <a:font script="Khmr" typeface="DaunPenh"/>
+        <a:font script="Knda" typeface="Tunga"/>
+        <a:font script="Guru" typeface="Raavi"/>
+        <a:font script="Cans" typeface="Euphemia"/>
+        <a:font script="Cher" typeface="Plantagenet Cherokee"/>
+        <a:font script="Yiii" typeface="Microsoft Yi Baiti"/>
+        <a:font script="Tibt" typeface="Microsoft Himalaya"/>
+        <a:font script="Thaa" typeface="MV Boli"/>
+        <a:font script="Deva" typeface="Mangal"/>
+        <a:font script="Telu" typeface="Gautami"/>
+        <a:font script="Taml" typeface="Latha"/>
+        <a:font script="Syrc" typeface="Estrangelo Edessa"/>
+        <a:font script="Orya" typeface="Kalinga"/>
+        <a:font script="Mlym" typeface="Kartika"/>
+        <a:font script="Laoo" typeface="DokChampa"/>
+        <a:font script="Sinh" typeface="Iskoola Pota"/>
+        <a:font script="Mong" typeface="Mongolian Baiti"/>
+        <a:font script="Viet" typeface="Arial"/>
+        <a:font script="Uigh" typeface="Microsoft Uighur"/>
+        <a:font script="Geor" typeface="Sylfaen"/>
+        <a:font script="Armn" typeface="Arial"/>
+        <a:font script="Bugi" typeface="Leelawadee UI"/>
+        <a:font script="Bopo" typeface="Microsoft JhengHei"/>
+        <a:font script="Java" typeface="Javanese Text"/>
+        <a:font script="Lisu" typeface="Segoe UI"/>
+        <a:font script="Mymr" typeface="Myanmar Text"/>
+        <a:font script="Nkoo" typeface="Ebrima"/>
+        <a:font script="Olck" typeface="Nirmala UI"/>
+        <a:font script="Osma" typeface="Ebrima"/>
+        <a:font script="Phag" typeface="Phagspa"/>
+        <a:font script="Syrn" typeface="Estrangelo Edessa"/>
+        <a:font script="Syrj" typeface="Estrangelo Edessa"/>
+        <a:font script="Syre" typeface="Estrangelo Edessa"/>
+        <a:font script="Sora" typeface="Nirmala UI"/>
+        <a:font script="Tale" typeface="Microsoft Tai Le"/>
+        <a:font script="Talu" typeface="Microsoft New Tai Lue"/>
+        <a:font script="Tfng" typeface="Ebrima"/>
+      </a:minorFont>
+    </a:fontScheme>
+    <a:fmtScheme name="Office">
+      <a:fillStyleLst>
+        <a:solidFill>
+          <a:schemeClr val="phClr"/>
+        </a:solidFill>
+        <a:gradFill rotWithShape="1">
+          <a:gsLst>
+            <a:gs pos="0">
+              <a:schemeClr val="phClr">
+                <a:lumMod val="110000"/>
+                <a:satMod val="105000"/>
+                <a:tint val="67000"/>
+              </a:schemeClr>
+            </a:gs>
+            <a:gs pos="50000">
+              <a:schemeClr val="phClr">
+                <a:lumMod val="105000"/>
+                <a:satMod val="103000"/>
+                <a:tint val="73000"/>
+              </a:schemeClr>
+            </a:gs>
+            <a:gs pos="100000">
+              <a:schemeClr val="phClr">
+                <a:lumMod val="105000"/>
+                <a:satMod val="109000"/>
+                <a:tint val="81000"/>
+              </a:schemeClr>
+            </a:gs>
+          </a:gsLst>
+          <a:lin ang="5400000" scaled="0"/>
+        </a:gradFill>
+        <a:gradFill rotWithShape="1">
+          <a:gsLst>
+            <a:gs pos="0">
+              <a:schemeClr val="phClr">
+                <a:satMod val="103000"/>
+                <a:lumMod val="102000"/>
+                <a:tint val="94000"/>
+              </a:schemeClr>
+            </a:gs>
+            <a:gs pos="50000">
+              <a:schemeClr val="phClr">
+                <a:satMod val="110000"/>
+                <a:lumMod val="100000"/>
+                <a:shade val="100000"/>
+              </a:schemeClr>
+            </a:gs>
+            <a:gs pos="100000">
+              <a:schemeClr val="phClr">
+                <a:lumMod val="99000"/>
+                <a:satMod val="120000"/>
+                <a:shade val="78000"/>
+              </a:schemeClr>
+            </a:gs>
+          </a:gsLst>
+          <a:lin ang="5400000" scaled="0"/>
+        </a:gradFill>
+      </a:fillStyleLst>
+      <a:lnStyleLst>
+        <a:ln w="6350" cap="flat" cmpd="sng" algn="ctr">
+          <a:solidFill>
+            <a:schemeClr val="phClr"/>
+          </a:solidFill>
+          <a:prstDash val="solid"/>
+          <a:miter lim="800000"/>
+        </a:ln>
+        <a:ln w="12700" cap="flat" cmpd="sng" algn="ctr">
+          <a:solidFill>
+            <a:schemeClr val="phClr"/>
+          </a:solidFill>
+          <a:prstDash val="solid"/>
+          <a:miter lim="800000"/>
+        </a:ln>
+        <a:ln w="19050" cap="flat" cmpd="sng" algn="ctr">
+          <a:solidFill>
+            <a:schemeClr val="phClr"/>
+          </a:solidFill>
+          <a:prstDash val="solid"/>
+          <a:miter lim="800000"/>
+        </a:ln>
+      </a:lnStyleLst>
+      <a:effectStyleLst>
+        <a:effectStyle>
+          <a:effectLst/>
+        </a:effectStyle>
+        <a:effectStyle>
+          <a:effectLst/>
+        </a:effectStyle>
+        <a:effectStyle>
+          <a:effectLst>
+            <a:outerShdw blurRad="57150" dist="19050" dir="5400000" algn="ctr" rotWithShape="0">
+              <a:srgbClr val="000000">
+                <a:alpha val="63000"/>
+              </a:srgbClr>
+            </a:outerShdw>
+          </a:effectLst>
+        </a:effectStyle>
+      </a:effectStyleLst>
+      <a:bgFillStyleLst>
+        <a:solidFill>
+          <a:schemeClr val="phClr"/>
+        </a:solidFill>
+        <a:solidFill>
+          <a:schemeClr val="phClr">
+            <a:tint val="95000"/>
+            <a:satMod val="170000"/>
+          </a:schemeClr>
+        </a:solidFill>
+        <a:gradFill rotWithShape="1">
+          <a:gsLst>
+            <a:gs pos="0">
+              <a:schemeClr val="phClr">
+                <a:tint val="93000"/>
+                <a:satMod val="150000"/>
+                <a:shade val="98000"/>
+                <a:lumMod val="102000"/>
+              </a:schemeClr>
+            </a:gs>
+            <a:gs pos="50000">
+              <a:schemeClr val="phClr">
+                <a:tint val="98000"/>
+                <a:satMod val="130000"/>
+                <a:shade val="90000"/>
+                <a:lumMod val="103000"/>
+              </a:schemeClr>
+            </a:gs>
+            <a:gs pos="100000">
+              <a:schemeClr val="phClr">
+                <a:shade val="63000"/>
+                <a:satMod val="120000"/>
+              </a:schemeClr>
+            </a:gs>
+          </a:gsLst>
+          <a:lin ang="5400000" scaled="0"/>
+        </a:gradFill>
+      </a:bgFillStyleLst>
+    </a:fmtScheme>
+  </a:themeElements>
+  <a:objectDefaults/>
+  <a:extraClrSchemeLst/>
+  <a:extLst>
+    <a:ext uri="{05A4C25C-085E-4340-85A3-A5531E510DB2}">
+      <thm15:themeFamily xmlns:thm15="http://schemas.microsoft.com/office/thememl/2012/main" name="Office Theme" id="{62F939B6-93AF-4DB8-9C6B-D6C7DFDC589F}" vid="{4A3C46E8-61CC-4603-A589-7422A47A8E4A}"/>
+    </a:ext>
+  </a:extLst>
+</a:theme>
 </file>
--- a/leap/Cloud and Distributed Architecture Overview.pptx
+++ b/leap/Cloud and Distributed Architecture Overview.pptx
@@ -5,11 +5,12 @@
     <p:sldMasterId id="2147483673" r:id="rId1"/>
   </p:sldMasterIdLst>
   <p:notesMasterIdLst>
-    <p:notesMasterId r:id="rId4"/>
+    <p:notesMasterId r:id="rId5"/>
   </p:notesMasterIdLst>
   <p:sldIdLst>
     <p:sldId id="264" r:id="rId2"/>
     <p:sldId id="265" r:id="rId3"/>
+    <p:sldId id="266" r:id="rId4"/>
   </p:sldIdLst>
   <p:sldSz cx="10080625" cy="7559675"/>
   <p:notesSz cx="7772400" cy="10058400"/>
@@ -202,7 +203,7 @@
           <a:p>
             <a:fld id="{0A3BD270-52F4-42D1-8AA4-C202F918B230}" type="datetimeFigureOut">
               <a:rPr lang="en-US" smtClean="0"/>
-              <a:t>5/22/2017</a:t>
+              <a:t>5/23/2017</a:t>
             </a:fld>
             <a:endParaRPr lang="en-US"/>
           </a:p>
@@ -637,6 +638,90 @@
 </p:notes>
 </file>
 
+<file path=ppt/notesSlides/notesSlide3.xml><?xml version="1.0" encoding="utf-8"?>
+<p:notes xmlns:a="http://schemas.openxmlformats.org/drawingml/2006/main" xmlns:r="http://schemas.openxmlformats.org/officeDocument/2006/relationships" xmlns:p="http://schemas.openxmlformats.org/presentationml/2006/main">
+  <p:cSld>
+    <p:spTree>
+      <p:nvGrpSpPr>
+        <p:cNvPr id="1" name=""/>
+        <p:cNvGrpSpPr/>
+        <p:nvPr/>
+      </p:nvGrpSpPr>
+      <p:grpSpPr>
+        <a:xfrm>
+          <a:off x="0" y="0"/>
+          <a:ext cx="0" cy="0"/>
+          <a:chOff x="0" y="0"/>
+          <a:chExt cx="0" cy="0"/>
+        </a:xfrm>
+      </p:grpSpPr>
+      <p:sp>
+        <p:nvSpPr>
+          <p:cNvPr id="2" name="Slide Image Placeholder 1"/>
+          <p:cNvSpPr>
+            <a:spLocks noGrp="1" noRot="1" noChangeAspect="1"/>
+          </p:cNvSpPr>
+          <p:nvPr>
+            <p:ph type="sldImg"/>
+          </p:nvPr>
+        </p:nvSpPr>
+        <p:spPr/>
+      </p:sp>
+      <p:sp>
+        <p:nvSpPr>
+          <p:cNvPr id="3" name="Notes Placeholder 2"/>
+          <p:cNvSpPr>
+            <a:spLocks noGrp="1"/>
+          </p:cNvSpPr>
+          <p:nvPr>
+            <p:ph type="body" idx="1"/>
+          </p:nvPr>
+        </p:nvSpPr>
+        <p:spPr/>
+        <p:txBody>
+          <a:bodyPr/>
+          <a:lstStyle/>
+          <a:p>
+            <a:endParaRPr lang="en-US"/>
+          </a:p>
+        </p:txBody>
+      </p:sp>
+      <p:sp>
+        <p:nvSpPr>
+          <p:cNvPr id="4" name="Slide Number Placeholder 3"/>
+          <p:cNvSpPr>
+            <a:spLocks noGrp="1"/>
+          </p:cNvSpPr>
+          <p:nvPr>
+            <p:ph type="sldNum" sz="quarter" idx="10"/>
+          </p:nvPr>
+        </p:nvSpPr>
+        <p:spPr/>
+        <p:txBody>
+          <a:bodyPr/>
+          <a:lstStyle/>
+          <a:p>
+            <a:fld id="{120DF125-6537-46F9-8C7C-C8EEF2DC0B24}" type="slidenum">
+              <a:rPr lang="en-US" smtClean="0"/>
+              <a:t>3</a:t>
+            </a:fld>
+            <a:endParaRPr lang="en-US"/>
+          </a:p>
+        </p:txBody>
+      </p:sp>
+    </p:spTree>
+    <p:extLst>
+      <p:ext uri="{BB962C8B-B14F-4D97-AF65-F5344CB8AC3E}">
+        <p14:creationId xmlns:p14="http://schemas.microsoft.com/office/powerpoint/2010/main" val="2065284831"/>
+      </p:ext>
+    </p:extLst>
+  </p:cSld>
+  <p:clrMapOvr>
+    <a:masterClrMapping/>
+  </p:clrMapOvr>
+</p:notes>
+</file>
+
 <file path=ppt/slideLayouts/slideLayout1.xml><?xml version="1.0" encoding="utf-8"?>
 <p:sldLayout xmlns:a="http://schemas.openxmlformats.org/drawingml/2006/main" xmlns:r="http://schemas.openxmlformats.org/officeDocument/2006/relationships" xmlns:p="http://schemas.openxmlformats.org/presentationml/2006/main" type="title" preserve="1">
   <p:cSld name="Title Slide">
@@ -823,7 +908,7 @@
           <a:p>
             <a:fld id="{E93B9923-E3EC-48CC-9721-9F39E972B268}" type="datetimeFigureOut">
               <a:rPr lang="en-US" smtClean="0"/>
-              <a:t>5/22/2017</a:t>
+              <a:t>5/23/2017</a:t>
             </a:fld>
             <a:endParaRPr lang="en-US"/>
           </a:p>
@@ -5154,7 +5239,7 @@
           <a:p>
             <a:fld id="{E93B9923-E3EC-48CC-9721-9F39E972B268}" type="datetimeFigureOut">
               <a:rPr lang="en-US" smtClean="0"/>
-              <a:t>5/22/2017</a:t>
+              <a:t>5/23/2017</a:t>
             </a:fld>
             <a:endParaRPr lang="en-US"/>
           </a:p>
@@ -8158,6 +8243,733 @@
 </p:sld>
 </file>
 
+<file path=ppt/slides/slide3.xml><?xml version="1.0" encoding="utf-8"?>
+<p:sld xmlns:a="http://schemas.openxmlformats.org/drawingml/2006/main" xmlns:r="http://schemas.openxmlformats.org/officeDocument/2006/relationships" xmlns:p="http://schemas.openxmlformats.org/presentationml/2006/main">
+  <p:cSld>
+    <p:spTree>
+      <p:nvGrpSpPr>
+        <p:cNvPr id="1" name=""/>
+        <p:cNvGrpSpPr/>
+        <p:nvPr/>
+      </p:nvGrpSpPr>
+      <p:grpSpPr>
+        <a:xfrm>
+          <a:off x="0" y="0"/>
+          <a:ext cx="0" cy="0"/>
+          <a:chOff x="0" y="0"/>
+          <a:chExt cx="0" cy="0"/>
+        </a:xfrm>
+      </p:grpSpPr>
+      <p:sp>
+        <p:nvSpPr>
+          <p:cNvPr id="2" name="Title 1"/>
+          <p:cNvSpPr>
+            <a:spLocks noGrp="1"/>
+          </p:cNvSpPr>
+          <p:nvPr>
+            <p:ph type="title"/>
+          </p:nvPr>
+        </p:nvSpPr>
+        <p:spPr/>
+        <p:txBody>
+          <a:bodyPr/>
+          <a:lstStyle/>
+          <a:p>
+            <a:r>
+              <a:rPr lang="en-US" dirty="0"/>
+              <a:t>Food for thought</a:t>
+            </a:r>
+          </a:p>
+        </p:txBody>
+      </p:sp>
+      <p:sp>
+        <p:nvSpPr>
+          <p:cNvPr id="7" name="Rectangle: Rounded Corners 6"/>
+          <p:cNvSpPr/>
+          <p:nvPr/>
+        </p:nvSpPr>
+        <p:spPr>
+          <a:xfrm>
+            <a:off x="841829" y="1246892"/>
+            <a:ext cx="3227010" cy="522515"/>
+          </a:xfrm>
+          <a:prstGeom prst="roundRect">
+            <a:avLst/>
+          </a:prstGeom>
+        </p:spPr>
+        <p:style>
+          <a:lnRef idx="2">
+            <a:schemeClr val="accent1">
+              <a:shade val="50000"/>
+            </a:schemeClr>
+          </a:lnRef>
+          <a:fillRef idx="1">
+            <a:schemeClr val="accent1"/>
+          </a:fillRef>
+          <a:effectRef idx="0">
+            <a:schemeClr val="accent1"/>
+          </a:effectRef>
+          <a:fontRef idx="minor">
+            <a:schemeClr val="lt1"/>
+          </a:fontRef>
+        </p:style>
+        <p:txBody>
+          <a:bodyPr rtlCol="0" anchor="ctr"/>
+          <a:lstStyle/>
+          <a:p>
+            <a:pPr algn="ctr"/>
+            <a:r>
+              <a:rPr lang="en-US" dirty="0"/>
+              <a:t>Stuff you wrote</a:t>
+            </a:r>
+          </a:p>
+        </p:txBody>
+      </p:sp>
+      <p:sp>
+        <p:nvSpPr>
+          <p:cNvPr id="8" name="Rectangle: Rounded Corners 7"/>
+          <p:cNvSpPr/>
+          <p:nvPr/>
+        </p:nvSpPr>
+        <p:spPr>
+          <a:xfrm>
+            <a:off x="841829" y="1810528"/>
+            <a:ext cx="3227010" cy="522515"/>
+          </a:xfrm>
+          <a:prstGeom prst="roundRect">
+            <a:avLst/>
+          </a:prstGeom>
+        </p:spPr>
+        <p:style>
+          <a:lnRef idx="2">
+            <a:schemeClr val="accent1">
+              <a:shade val="50000"/>
+            </a:schemeClr>
+          </a:lnRef>
+          <a:fillRef idx="1">
+            <a:schemeClr val="accent1"/>
+          </a:fillRef>
+          <a:effectRef idx="0">
+            <a:schemeClr val="accent1"/>
+          </a:effectRef>
+          <a:fontRef idx="minor">
+            <a:schemeClr val="lt1"/>
+          </a:fontRef>
+        </p:style>
+        <p:txBody>
+          <a:bodyPr rtlCol="0" anchor="ctr"/>
+          <a:lstStyle/>
+          <a:p>
+            <a:pPr algn="ctr"/>
+            <a:r>
+              <a:rPr lang="en-US" dirty="0"/>
+              <a:t>Stuff Framework</a:t>
+            </a:r>
+          </a:p>
+        </p:txBody>
+      </p:sp>
+      <p:sp>
+        <p:nvSpPr>
+          <p:cNvPr id="9" name="Rectangle: Rounded Corners 8"/>
+          <p:cNvSpPr/>
+          <p:nvPr/>
+        </p:nvSpPr>
+        <p:spPr>
+          <a:xfrm>
+            <a:off x="841829" y="2388555"/>
+            <a:ext cx="3227010" cy="522515"/>
+          </a:xfrm>
+          <a:prstGeom prst="roundRect">
+            <a:avLst/>
+          </a:prstGeom>
+        </p:spPr>
+        <p:style>
+          <a:lnRef idx="2">
+            <a:schemeClr val="accent1">
+              <a:shade val="50000"/>
+            </a:schemeClr>
+          </a:lnRef>
+          <a:fillRef idx="1">
+            <a:schemeClr val="accent1"/>
+          </a:fillRef>
+          <a:effectRef idx="0">
+            <a:schemeClr val="accent1"/>
+          </a:effectRef>
+          <a:fontRef idx="minor">
+            <a:schemeClr val="lt1"/>
+          </a:fontRef>
+        </p:style>
+        <p:txBody>
+          <a:bodyPr rtlCol="0" anchor="ctr"/>
+          <a:lstStyle/>
+          <a:p>
+            <a:pPr algn="ctr"/>
+            <a:r>
+              <a:rPr lang="en-US" dirty="0"/>
+              <a:t>Language for Stuff</a:t>
+            </a:r>
+          </a:p>
+        </p:txBody>
+      </p:sp>
+      <p:sp>
+        <p:nvSpPr>
+          <p:cNvPr id="10" name="Rectangle: Rounded Corners 9"/>
+          <p:cNvSpPr/>
+          <p:nvPr/>
+        </p:nvSpPr>
+        <p:spPr>
+          <a:xfrm>
+            <a:off x="841829" y="2966582"/>
+            <a:ext cx="3227010" cy="522515"/>
+          </a:xfrm>
+          <a:prstGeom prst="roundRect">
+            <a:avLst/>
+          </a:prstGeom>
+        </p:spPr>
+        <p:style>
+          <a:lnRef idx="2">
+            <a:schemeClr val="accent1">
+              <a:shade val="50000"/>
+            </a:schemeClr>
+          </a:lnRef>
+          <a:fillRef idx="1">
+            <a:schemeClr val="accent1"/>
+          </a:fillRef>
+          <a:effectRef idx="0">
+            <a:schemeClr val="accent1"/>
+          </a:effectRef>
+          <a:fontRef idx="minor">
+            <a:schemeClr val="lt1"/>
+          </a:fontRef>
+        </p:style>
+        <p:txBody>
+          <a:bodyPr rtlCol="0" anchor="ctr"/>
+          <a:lstStyle/>
+          <a:p>
+            <a:pPr algn="ctr"/>
+            <a:r>
+              <a:rPr lang="en-US" dirty="0"/>
+              <a:t>Software distribution</a:t>
+            </a:r>
+          </a:p>
+        </p:txBody>
+      </p:sp>
+      <p:sp>
+        <p:nvSpPr>
+          <p:cNvPr id="11" name="Rectangle: Rounded Corners 10"/>
+          <p:cNvSpPr/>
+          <p:nvPr/>
+        </p:nvSpPr>
+        <p:spPr>
+          <a:xfrm>
+            <a:off x="841829" y="3544609"/>
+            <a:ext cx="3227010" cy="522515"/>
+          </a:xfrm>
+          <a:prstGeom prst="roundRect">
+            <a:avLst/>
+          </a:prstGeom>
+        </p:spPr>
+        <p:style>
+          <a:lnRef idx="2">
+            <a:schemeClr val="accent1">
+              <a:shade val="50000"/>
+            </a:schemeClr>
+          </a:lnRef>
+          <a:fillRef idx="1">
+            <a:schemeClr val="accent1"/>
+          </a:fillRef>
+          <a:effectRef idx="0">
+            <a:schemeClr val="accent1"/>
+          </a:effectRef>
+          <a:fontRef idx="minor">
+            <a:schemeClr val="lt1"/>
+          </a:fontRef>
+        </p:style>
+        <p:txBody>
+          <a:bodyPr rtlCol="0" anchor="ctr"/>
+          <a:lstStyle/>
+          <a:p>
+            <a:pPr algn="ctr"/>
+            <a:r>
+              <a:rPr lang="en-US" dirty="0"/>
+              <a:t>OS/Kernel</a:t>
+            </a:r>
+          </a:p>
+        </p:txBody>
+      </p:sp>
+      <p:sp>
+        <p:nvSpPr>
+          <p:cNvPr id="12" name="Rectangle: Rounded Corners 11"/>
+          <p:cNvSpPr/>
+          <p:nvPr/>
+        </p:nvSpPr>
+        <p:spPr>
+          <a:xfrm>
+            <a:off x="841829" y="4129091"/>
+            <a:ext cx="3227010" cy="522515"/>
+          </a:xfrm>
+          <a:prstGeom prst="roundRect">
+            <a:avLst/>
+          </a:prstGeom>
+        </p:spPr>
+        <p:style>
+          <a:lnRef idx="2">
+            <a:schemeClr val="accent1">
+              <a:shade val="50000"/>
+            </a:schemeClr>
+          </a:lnRef>
+          <a:fillRef idx="1">
+            <a:schemeClr val="accent1"/>
+          </a:fillRef>
+          <a:effectRef idx="0">
+            <a:schemeClr val="accent1"/>
+          </a:effectRef>
+          <a:fontRef idx="minor">
+            <a:schemeClr val="lt1"/>
+          </a:fontRef>
+        </p:style>
+        <p:txBody>
+          <a:bodyPr rtlCol="0" anchor="ctr"/>
+          <a:lstStyle/>
+          <a:p>
+            <a:pPr algn="ctr"/>
+            <a:r>
+              <a:rPr lang="en-US" dirty="0"/>
+              <a:t>CPU/disk</a:t>
+            </a:r>
+          </a:p>
+        </p:txBody>
+      </p:sp>
+      <p:sp>
+        <p:nvSpPr>
+          <p:cNvPr id="13" name="Rectangle: Rounded Corners 12"/>
+          <p:cNvSpPr/>
+          <p:nvPr/>
+        </p:nvSpPr>
+        <p:spPr>
+          <a:xfrm>
+            <a:off x="841829" y="4726012"/>
+            <a:ext cx="3227010" cy="522515"/>
+          </a:xfrm>
+          <a:prstGeom prst="roundRect">
+            <a:avLst/>
+          </a:prstGeom>
+        </p:spPr>
+        <p:style>
+          <a:lnRef idx="2">
+            <a:schemeClr val="accent1">
+              <a:shade val="50000"/>
+            </a:schemeClr>
+          </a:lnRef>
+          <a:fillRef idx="1">
+            <a:schemeClr val="accent1"/>
+          </a:fillRef>
+          <a:effectRef idx="0">
+            <a:schemeClr val="accent1"/>
+          </a:effectRef>
+          <a:fontRef idx="minor">
+            <a:schemeClr val="lt1"/>
+          </a:fontRef>
+        </p:style>
+        <p:txBody>
+          <a:bodyPr rtlCol="0" anchor="ctr"/>
+          <a:lstStyle/>
+          <a:p>
+            <a:pPr algn="ctr"/>
+            <a:r>
+              <a:rPr lang="en-US" dirty="0"/>
+              <a:t>Building for CPUs/Disks</a:t>
+            </a:r>
+          </a:p>
+        </p:txBody>
+      </p:sp>
+      <p:sp>
+        <p:nvSpPr>
+          <p:cNvPr id="14" name="Rectangle: Rounded Corners 13"/>
+          <p:cNvSpPr/>
+          <p:nvPr/>
+        </p:nvSpPr>
+        <p:spPr>
+          <a:xfrm>
+            <a:off x="841829" y="5329389"/>
+            <a:ext cx="3227010" cy="522515"/>
+          </a:xfrm>
+          <a:prstGeom prst="roundRect">
+            <a:avLst/>
+          </a:prstGeom>
+        </p:spPr>
+        <p:style>
+          <a:lnRef idx="2">
+            <a:schemeClr val="accent1">
+              <a:shade val="50000"/>
+            </a:schemeClr>
+          </a:lnRef>
+          <a:fillRef idx="1">
+            <a:schemeClr val="accent1"/>
+          </a:fillRef>
+          <a:effectRef idx="0">
+            <a:schemeClr val="accent1"/>
+          </a:effectRef>
+          <a:fontRef idx="minor">
+            <a:schemeClr val="lt1"/>
+          </a:fontRef>
+        </p:style>
+        <p:txBody>
+          <a:bodyPr rtlCol="0" anchor="ctr"/>
+          <a:lstStyle/>
+          <a:p>
+            <a:pPr algn="ctr"/>
+            <a:r>
+              <a:rPr lang="en-US" dirty="0" err="1"/>
+              <a:t>Electricity,Water</a:t>
+            </a:r>
+            <a:r>
+              <a:rPr lang="en-US" dirty="0"/>
+              <a:t> for Building</a:t>
+            </a:r>
+          </a:p>
+        </p:txBody>
+      </p:sp>
+      <p:sp>
+        <p:nvSpPr>
+          <p:cNvPr id="15" name="Rectangle: Rounded Corners 14"/>
+          <p:cNvSpPr/>
+          <p:nvPr/>
+        </p:nvSpPr>
+        <p:spPr>
+          <a:xfrm>
+            <a:off x="892628" y="5932766"/>
+            <a:ext cx="3227010" cy="522515"/>
+          </a:xfrm>
+          <a:prstGeom prst="roundRect">
+            <a:avLst/>
+          </a:prstGeom>
+        </p:spPr>
+        <p:style>
+          <a:lnRef idx="2">
+            <a:schemeClr val="accent1">
+              <a:shade val="50000"/>
+            </a:schemeClr>
+          </a:lnRef>
+          <a:fillRef idx="1">
+            <a:schemeClr val="accent1"/>
+          </a:fillRef>
+          <a:effectRef idx="0">
+            <a:schemeClr val="accent1"/>
+          </a:effectRef>
+          <a:fontRef idx="minor">
+            <a:schemeClr val="lt1"/>
+          </a:fontRef>
+        </p:style>
+        <p:txBody>
+          <a:bodyPr rtlCol="0" anchor="ctr"/>
+          <a:lstStyle/>
+          <a:p>
+            <a:pPr algn="ctr"/>
+            <a:r>
+              <a:rPr lang="en-US" dirty="0"/>
+              <a:t>Mafia/govt protecting electricity/water/roads</a:t>
+            </a:r>
+          </a:p>
+        </p:txBody>
+      </p:sp>
+      <p:sp>
+        <p:nvSpPr>
+          <p:cNvPr id="16" name="Rectangle: Rounded Corners 15"/>
+          <p:cNvSpPr/>
+          <p:nvPr/>
+        </p:nvSpPr>
+        <p:spPr>
+          <a:xfrm>
+            <a:off x="892628" y="6510793"/>
+            <a:ext cx="3227010" cy="522515"/>
+          </a:xfrm>
+          <a:prstGeom prst="roundRect">
+            <a:avLst/>
+          </a:prstGeom>
+        </p:spPr>
+        <p:style>
+          <a:lnRef idx="2">
+            <a:schemeClr val="accent1">
+              <a:shade val="50000"/>
+            </a:schemeClr>
+          </a:lnRef>
+          <a:fillRef idx="1">
+            <a:schemeClr val="accent1"/>
+          </a:fillRef>
+          <a:effectRef idx="0">
+            <a:schemeClr val="accent1"/>
+          </a:effectRef>
+          <a:fontRef idx="minor">
+            <a:schemeClr val="lt1"/>
+          </a:fontRef>
+        </p:style>
+        <p:txBody>
+          <a:bodyPr rtlCol="0" anchor="ctr"/>
+          <a:lstStyle/>
+          <a:p>
+            <a:pPr algn="ctr"/>
+            <a:r>
+              <a:rPr lang="en-US" dirty="0"/>
+              <a:t>Laws/Guns </a:t>
+            </a:r>
+          </a:p>
+        </p:txBody>
+      </p:sp>
+      <p:sp>
+        <p:nvSpPr>
+          <p:cNvPr id="18" name="Right Brace 17"/>
+          <p:cNvSpPr/>
+          <p:nvPr/>
+        </p:nvSpPr>
+        <p:spPr>
+          <a:xfrm>
+            <a:off x="4528457" y="1246892"/>
+            <a:ext cx="599924" cy="522515"/>
+          </a:xfrm>
+          <a:prstGeom prst="rightBrace">
+            <a:avLst/>
+          </a:prstGeom>
+          <a:ln w="38100"/>
+        </p:spPr>
+        <p:style>
+          <a:lnRef idx="1">
+            <a:schemeClr val="accent1"/>
+          </a:lnRef>
+          <a:fillRef idx="0">
+            <a:schemeClr val="accent1"/>
+          </a:fillRef>
+          <a:effectRef idx="0">
+            <a:schemeClr val="accent1"/>
+          </a:effectRef>
+          <a:fontRef idx="minor">
+            <a:schemeClr val="tx1"/>
+          </a:fontRef>
+        </p:style>
+        <p:txBody>
+          <a:bodyPr rtlCol="0" anchor="ctr"/>
+          <a:lstStyle/>
+          <a:p>
+            <a:pPr algn="ctr"/>
+            <a:endParaRPr lang="en-US"/>
+          </a:p>
+        </p:txBody>
+      </p:sp>
+      <p:sp>
+        <p:nvSpPr>
+          <p:cNvPr id="19" name="TextBox 18"/>
+          <p:cNvSpPr txBox="1"/>
+          <p:nvPr/>
+        </p:nvSpPr>
+        <p:spPr>
+          <a:xfrm>
+            <a:off x="5205791" y="1323483"/>
+            <a:ext cx="2359941" cy="369332"/>
+          </a:xfrm>
+          <a:prstGeom prst="rect">
+            <a:avLst/>
+          </a:prstGeom>
+          <a:noFill/>
+        </p:spPr>
+        <p:txBody>
+          <a:bodyPr wrap="none" rtlCol="0">
+            <a:spAutoFit/>
+          </a:bodyPr>
+          <a:lstStyle/>
+          <a:p>
+            <a:r>
+              <a:rPr lang="en-US" dirty="0"/>
+              <a:t>Solution to problem</a:t>
+            </a:r>
+          </a:p>
+        </p:txBody>
+      </p:sp>
+      <p:sp>
+        <p:nvSpPr>
+          <p:cNvPr id="20" name="Right Brace 19"/>
+          <p:cNvSpPr/>
+          <p:nvPr/>
+        </p:nvSpPr>
+        <p:spPr>
+          <a:xfrm>
+            <a:off x="4596191" y="2293662"/>
+            <a:ext cx="599924" cy="1773462"/>
+          </a:xfrm>
+          <a:prstGeom prst="rightBrace">
+            <a:avLst/>
+          </a:prstGeom>
+          <a:ln w="38100"/>
+        </p:spPr>
+        <p:style>
+          <a:lnRef idx="1">
+            <a:schemeClr val="accent1"/>
+          </a:lnRef>
+          <a:fillRef idx="0">
+            <a:schemeClr val="accent1"/>
+          </a:fillRef>
+          <a:effectRef idx="0">
+            <a:schemeClr val="accent1"/>
+          </a:effectRef>
+          <a:fontRef idx="minor">
+            <a:schemeClr val="tx1"/>
+          </a:fontRef>
+        </p:style>
+        <p:txBody>
+          <a:bodyPr rtlCol="0" anchor="ctr"/>
+          <a:lstStyle/>
+          <a:p>
+            <a:pPr algn="ctr"/>
+            <a:endParaRPr lang="en-US"/>
+          </a:p>
+        </p:txBody>
+      </p:sp>
+      <p:sp>
+        <p:nvSpPr>
+          <p:cNvPr id="21" name="TextBox 20"/>
+          <p:cNvSpPr txBox="1"/>
+          <p:nvPr/>
+        </p:nvSpPr>
+        <p:spPr>
+          <a:xfrm>
+            <a:off x="5285620" y="2966582"/>
+            <a:ext cx="1048685" cy="369332"/>
+          </a:xfrm>
+          <a:prstGeom prst="rect">
+            <a:avLst/>
+          </a:prstGeom>
+          <a:noFill/>
+        </p:spPr>
+        <p:txBody>
+          <a:bodyPr wrap="none" rtlCol="0">
+            <a:spAutoFit/>
+          </a:bodyPr>
+          <a:lstStyle/>
+          <a:p>
+            <a:r>
+              <a:rPr lang="en-US" dirty="0"/>
+              <a:t>Toolbox</a:t>
+            </a:r>
+          </a:p>
+        </p:txBody>
+      </p:sp>
+      <p:sp>
+        <p:nvSpPr>
+          <p:cNvPr id="22" name="Right Brace 21"/>
+          <p:cNvSpPr/>
+          <p:nvPr/>
+        </p:nvSpPr>
+        <p:spPr>
+          <a:xfrm>
+            <a:off x="4562323" y="4390348"/>
+            <a:ext cx="599924" cy="2542642"/>
+          </a:xfrm>
+          <a:prstGeom prst="rightBrace">
+            <a:avLst/>
+          </a:prstGeom>
+          <a:ln w="38100"/>
+        </p:spPr>
+        <p:style>
+          <a:lnRef idx="1">
+            <a:schemeClr val="accent1"/>
+          </a:lnRef>
+          <a:fillRef idx="0">
+            <a:schemeClr val="accent1"/>
+          </a:fillRef>
+          <a:effectRef idx="0">
+            <a:schemeClr val="accent1"/>
+          </a:effectRef>
+          <a:fontRef idx="minor">
+            <a:schemeClr val="tx1"/>
+          </a:fontRef>
+        </p:style>
+        <p:txBody>
+          <a:bodyPr rtlCol="0" anchor="ctr"/>
+          <a:lstStyle/>
+          <a:p>
+            <a:pPr algn="ctr"/>
+            <a:endParaRPr lang="en-US"/>
+          </a:p>
+        </p:txBody>
+      </p:sp>
+      <p:sp>
+        <p:nvSpPr>
+          <p:cNvPr id="24" name="TextBox 23"/>
+          <p:cNvSpPr txBox="1"/>
+          <p:nvPr/>
+        </p:nvSpPr>
+        <p:spPr>
+          <a:xfrm>
+            <a:off x="5285620" y="5286435"/>
+            <a:ext cx="3357009" cy="646331"/>
+          </a:xfrm>
+          <a:prstGeom prst="rect">
+            <a:avLst/>
+          </a:prstGeom>
+          <a:noFill/>
+        </p:spPr>
+        <p:txBody>
+          <a:bodyPr wrap="none" rtlCol="0">
+            <a:spAutoFit/>
+          </a:bodyPr>
+          <a:lstStyle/>
+          <a:p>
+            <a:r>
+              <a:rPr lang="en-US" dirty="0"/>
+              <a:t>Oh, yeah. Infrastructure you </a:t>
+            </a:r>
+          </a:p>
+          <a:p>
+            <a:r>
+              <a:rPr lang="en-US" dirty="0"/>
+              <a:t>have forgotten until tax time</a:t>
+            </a:r>
+          </a:p>
+        </p:txBody>
+      </p:sp>
+      <p:sp>
+        <p:nvSpPr>
+          <p:cNvPr id="25" name="Rectangle 24"/>
+          <p:cNvSpPr/>
+          <p:nvPr/>
+        </p:nvSpPr>
+        <p:spPr>
+          <a:xfrm rot="16200000">
+            <a:off x="5920542" y="3642266"/>
+            <a:ext cx="7112001" cy="369332"/>
+          </a:xfrm>
+          <a:prstGeom prst="rect">
+            <a:avLst/>
+          </a:prstGeom>
+        </p:spPr>
+        <p:txBody>
+          <a:bodyPr wrap="square">
+            <a:spAutoFit/>
+          </a:bodyPr>
+          <a:lstStyle/>
+          <a:p>
+            <a:r>
+              <a:rPr lang="en-US" dirty="0">
+                <a:hlinkClick r:id="rId3"/>
+              </a:rPr>
+              <a:t>https://twitter.com/lizrice/status/866872425278996484</a:t>
+            </a:r>
+            <a:endParaRPr lang="en-US" dirty="0"/>
+          </a:p>
+        </p:txBody>
+      </p:sp>
+    </p:spTree>
+    <p:extLst>
+      <p:ext uri="{BB962C8B-B14F-4D97-AF65-F5344CB8AC3E}">
+        <p14:creationId xmlns:p14="http://schemas.microsoft.com/office/powerpoint/2010/main" val="882806971"/>
+      </p:ext>
+    </p:extLst>
+  </p:cSld>
+  <p:clrMapOvr>
+    <a:masterClrMapping/>
+  </p:clrMapOvr>
+</p:sld>
+</file>
+
 <file path=ppt/theme/theme1.xml><?xml version="1.0" encoding="utf-8"?>
 <a:theme xmlns:a="http://schemas.openxmlformats.org/drawingml/2006/main" name="Ion">
   <a:themeElements>
